--- a/Day5/Lecture 5.pptx
+++ b/Day5/Lecture 5.pptx
@@ -282,7 +282,7 @@
           <a:p>
             <a:fld id="{902884EE-D56A-B042-86E2-8C6529B1FB30}" type="datetimeFigureOut">
               <a:rPr lang="en-US" smtClean="0"/>
-              <a:t>5/27/16</a:t>
+              <a:t>5/29/16</a:t>
             </a:fld>
             <a:endParaRPr lang="en-US"/>
           </a:p>
@@ -914,20 +914,6 @@
               <a:buFontTx/>
               <a:buChar char="-"/>
             </a:pPr>
-            <a:r>
-              <a:rPr lang="en-US" baseline="0" dirty="0" smtClean="0"/>
-              <a:t>so this is how we expand this…</a:t>
-            </a:r>
-          </a:p>
-          <a:p>
-            <a:pPr marL="171450" indent="-171450">
-              <a:buFontTx/>
-              <a:buChar char="-"/>
-            </a:pPr>
-            <a:r>
-              <a:rPr lang="en-US" baseline="0" dirty="0" smtClean="0"/>
-              <a:t>do this on the blackboard …. make a list with X1 = gender, and X2 = focus or no focus …and then 0 times, 1 times etc.</a:t>
-            </a:r>
             <a:endParaRPr lang="en-US" dirty="0"/>
           </a:p>
         </p:txBody>
@@ -1726,14 +1712,6 @@
           <a:bodyPr/>
           <a:lstStyle/>
           <a:p>
-            <a:r>
-              <a:rPr lang="en-US" dirty="0" smtClean="0"/>
-              <a:t>contradicts our aim of getting</a:t>
-            </a:r>
-            <a:r>
-              <a:rPr lang="en-US" baseline="0" dirty="0" smtClean="0"/>
-              <a:t> “meaning from data” … so, if we violate the independence assumption … than we wouldn’t have to do inferential statistics anyway</a:t>
-            </a:r>
             <a:endParaRPr lang="en-US" dirty="0"/>
           </a:p>
         </p:txBody>
@@ -2096,51 +2074,7 @@
           <a:bodyPr/>
           <a:lstStyle/>
           <a:p>
-            <a:r>
-              <a:rPr lang="en-US" dirty="0" smtClean="0"/>
-              <a:t>… if you had subjects as fixed effect… that would essentially be like </a:t>
-            </a:r>
-            <a:r>
-              <a:rPr lang="en-US" dirty="0" err="1" smtClean="0"/>
-              <a:t>overfitting</a:t>
-            </a:r>
-            <a:r>
-              <a:rPr lang="en-US" dirty="0" smtClean="0"/>
-              <a:t>… you</a:t>
-            </a:r>
-            <a:r>
-              <a:rPr lang="en-US" baseline="0" dirty="0" smtClean="0"/>
-              <a:t> make your results less generalizable</a:t>
-            </a:r>
-          </a:p>
-          <a:p>
-            <a:r>
-              <a:rPr lang="en-US" baseline="0" dirty="0" smtClean="0"/>
-              <a:t>SAME APPLIES TO ITEMS:</a:t>
-            </a:r>
-          </a:p>
-          <a:p>
-            <a:pPr marL="0" marR="0" indent="0" algn="l" defTabSz="457200" rtl="0" eaLnBrk="1" fontAlgn="auto" latinLnBrk="0" hangingPunct="1">
-              <a:lnSpc>
-                <a:spcPct val="100000"/>
-              </a:lnSpc>
-              <a:spcBef>
-                <a:spcPts val="0"/>
-              </a:spcBef>
-              <a:spcAft>
-                <a:spcPts val="0"/>
-              </a:spcAft>
-              <a:buClrTx/>
-              <a:buSzTx/>
-              <a:buFontTx/>
-              <a:buNone/>
-              <a:tabLst/>
-              <a:defRPr/>
-            </a:pPr>
-            <a:r>
-              <a:rPr lang="en-US" dirty="0" smtClean="0"/>
-              <a:t>words in an experiment are usually just a small proportion of the words known to your speakers</a:t>
-            </a:r>
+            <a:endParaRPr lang="en-US" dirty="0" smtClean="0"/>
           </a:p>
         </p:txBody>
       </p:sp>
@@ -3076,20 +3010,6 @@
               <a:buFontTx/>
               <a:buChar char="-"/>
             </a:pPr>
-            <a:r>
-              <a:rPr lang="en-US" baseline="0" dirty="0" smtClean="0"/>
-              <a:t>so this is how we expand this…</a:t>
-            </a:r>
-          </a:p>
-          <a:p>
-            <a:pPr marL="171450" indent="-171450">
-              <a:buFontTx/>
-              <a:buChar char="-"/>
-            </a:pPr>
-            <a:r>
-              <a:rPr lang="en-US" baseline="0" dirty="0" smtClean="0"/>
-              <a:t>do this on the blackboard …. make a list with X1 = gender, and X2 = focus or no focus …and then 0 times, 1 times etc.</a:t>
-            </a:r>
             <a:endParaRPr lang="en-US" dirty="0"/>
           </a:p>
         </p:txBody>
@@ -3311,7 +3231,7 @@
           <a:p>
             <a:fld id="{6716CB46-FF92-4440-A4A0-4E0ECD9E96D8}" type="datetimeFigureOut">
               <a:rPr lang="en-US" smtClean="0"/>
-              <a:t>5/27/16</a:t>
+              <a:t>5/29/16</a:t>
             </a:fld>
             <a:endParaRPr lang="en-US"/>
           </a:p>
@@ -3481,7 +3401,7 @@
           <a:p>
             <a:fld id="{6716CB46-FF92-4440-A4A0-4E0ECD9E96D8}" type="datetimeFigureOut">
               <a:rPr lang="en-US" smtClean="0"/>
-              <a:t>5/27/16</a:t>
+              <a:t>5/29/16</a:t>
             </a:fld>
             <a:endParaRPr lang="en-US"/>
           </a:p>
@@ -3661,7 +3581,7 @@
           <a:p>
             <a:fld id="{6716CB46-FF92-4440-A4A0-4E0ECD9E96D8}" type="datetimeFigureOut">
               <a:rPr lang="en-US" smtClean="0"/>
-              <a:t>5/27/16</a:t>
+              <a:t>5/29/16</a:t>
             </a:fld>
             <a:endParaRPr lang="en-US"/>
           </a:p>
@@ -4268,7 +4188,7 @@
           <a:p>
             <a:fld id="{6716CB46-FF92-4440-A4A0-4E0ECD9E96D8}" type="datetimeFigureOut">
               <a:rPr lang="en-US" smtClean="0"/>
-              <a:t>5/27/16</a:t>
+              <a:t>5/29/16</a:t>
             </a:fld>
             <a:endParaRPr lang="en-US"/>
           </a:p>
@@ -4514,7 +4434,7 @@
           <a:p>
             <a:fld id="{6716CB46-FF92-4440-A4A0-4E0ECD9E96D8}" type="datetimeFigureOut">
               <a:rPr lang="en-US" smtClean="0"/>
-              <a:t>5/27/16</a:t>
+              <a:t>5/29/16</a:t>
             </a:fld>
             <a:endParaRPr lang="en-US"/>
           </a:p>
@@ -4802,7 +4722,7 @@
           <a:p>
             <a:fld id="{6716CB46-FF92-4440-A4A0-4E0ECD9E96D8}" type="datetimeFigureOut">
               <a:rPr lang="en-US" smtClean="0"/>
-              <a:t>5/27/16</a:t>
+              <a:t>5/29/16</a:t>
             </a:fld>
             <a:endParaRPr lang="en-US"/>
           </a:p>
@@ -5224,7 +5144,7 @@
           <a:p>
             <a:fld id="{6716CB46-FF92-4440-A4A0-4E0ECD9E96D8}" type="datetimeFigureOut">
               <a:rPr lang="en-US" smtClean="0"/>
-              <a:t>5/27/16</a:t>
+              <a:t>5/29/16</a:t>
             </a:fld>
             <a:endParaRPr lang="en-US"/>
           </a:p>
@@ -5342,7 +5262,7 @@
           <a:p>
             <a:fld id="{6716CB46-FF92-4440-A4A0-4E0ECD9E96D8}" type="datetimeFigureOut">
               <a:rPr lang="en-US" smtClean="0"/>
-              <a:t>5/27/16</a:t>
+              <a:t>5/29/16</a:t>
             </a:fld>
             <a:endParaRPr lang="en-US"/>
           </a:p>
@@ -5437,7 +5357,7 @@
           <a:p>
             <a:fld id="{6716CB46-FF92-4440-A4A0-4E0ECD9E96D8}" type="datetimeFigureOut">
               <a:rPr lang="en-US" smtClean="0"/>
-              <a:t>5/27/16</a:t>
+              <a:t>5/29/16</a:t>
             </a:fld>
             <a:endParaRPr lang="en-US"/>
           </a:p>
@@ -5714,7 +5634,7 @@
           <a:p>
             <a:fld id="{6716CB46-FF92-4440-A4A0-4E0ECD9E96D8}" type="datetimeFigureOut">
               <a:rPr lang="en-US" smtClean="0"/>
-              <a:t>5/27/16</a:t>
+              <a:t>5/29/16</a:t>
             </a:fld>
             <a:endParaRPr lang="en-US"/>
           </a:p>
@@ -5967,7 +5887,7 @@
           <a:p>
             <a:fld id="{6716CB46-FF92-4440-A4A0-4E0ECD9E96D8}" type="datetimeFigureOut">
               <a:rPr lang="en-US" smtClean="0"/>
-              <a:t>5/27/16</a:t>
+              <a:t>5/29/16</a:t>
             </a:fld>
             <a:endParaRPr lang="en-US"/>
           </a:p>
@@ -6180,7 +6100,7 @@
           <a:p>
             <a:fld id="{6716CB46-FF92-4440-A4A0-4E0ECD9E96D8}" type="datetimeFigureOut">
               <a:rPr lang="en-US" smtClean="0"/>
-              <a:t>5/27/16</a:t>
+              <a:t>5/29/16</a:t>
             </a:fld>
             <a:endParaRPr lang="en-US"/>
           </a:p>
@@ -8558,7 +8478,11 @@
           <a:p>
             <a:r>
               <a:rPr lang="en-US" dirty="0" err="1" smtClean="0"/>
-              <a:t>Data$VisitNumber</a:t>
+              <a:t>Data$</a:t>
+            </a:r>
+            <a:r>
+              <a:rPr lang="en-US" dirty="0" err="1" smtClean="0"/>
+              <a:t>Visit</a:t>
             </a:r>
             <a:r>
               <a:rPr lang="en-US" dirty="0" smtClean="0"/>
@@ -8574,12 +8498,17 @@
             </a:r>
             <a:r>
               <a:rPr lang="en-US" dirty="0" err="1" smtClean="0"/>
-              <a:t>Data$VisitNumber</a:t>
+              <a:t>Data$</a:t>
+            </a:r>
+            <a:r>
+              <a:rPr lang="en-US" dirty="0" err="1" smtClean="0"/>
+              <a:t>Visit</a:t>
             </a:r>
             <a:r>
               <a:rPr lang="en-US" dirty="0" smtClean="0"/>
               <a:t>)</a:t>
             </a:r>
+            <a:endParaRPr lang="en-US" dirty="0" smtClean="0"/>
           </a:p>
           <a:p>
             <a:r>
@@ -8592,11 +8521,15 @@
             </a:r>
             <a:r>
               <a:rPr lang="en-US" dirty="0" err="1"/>
-              <a:t>TypesKid~</a:t>
+              <a:t>UniqueWordsChild~</a:t>
             </a:r>
             <a:r>
               <a:rPr lang="en-US" dirty="0" err="1" smtClean="0"/>
-              <a:t>VisitNumber,Data</a:t>
+              <a:t>Visit,</a:t>
+            </a:r>
+            <a:r>
+              <a:rPr lang="en-US" dirty="0" err="1" smtClean="0"/>
+              <a:t>Data</a:t>
             </a:r>
             <a:r>
               <a:rPr lang="en-US" dirty="0" smtClean="0"/>
@@ -8777,13 +8710,29 @@
         <p:spPr/>
         <p:txBody>
           <a:bodyPr>
-            <a:normAutofit fontScale="92500" lnSpcReduction="10000"/>
+            <a:normAutofit fontScale="92500"/>
           </a:bodyPr>
           <a:lstStyle/>
           <a:p>
             <a:r>
               <a:rPr lang="en-US" dirty="0"/>
-              <a:t>Data$VisitNumber2=Data$VisitNumber^2</a:t>
+              <a:t>Data$</a:t>
+            </a:r>
+            <a:r>
+              <a:rPr lang="en-US" dirty="0" smtClean="0"/>
+              <a:t>Visit2</a:t>
+            </a:r>
+            <a:r>
+              <a:rPr lang="en-US" dirty="0"/>
+              <a:t>=Data$</a:t>
+            </a:r>
+            <a:r>
+              <a:rPr lang="en-US" dirty="0" smtClean="0"/>
+              <a:t>Visit^</a:t>
+            </a:r>
+            <a:r>
+              <a:rPr lang="en-US" dirty="0"/>
+              <a:t>2</a:t>
             </a:r>
           </a:p>
           <a:p>
@@ -8793,7 +8742,19 @@
             </a:r>
             <a:r>
               <a:rPr lang="en-US" dirty="0"/>
-              <a:t>$VisitNumber3=Data$VisitNumber^</a:t>
+              <a:t>$</a:t>
+            </a:r>
+            <a:r>
+              <a:rPr lang="en-US" dirty="0" smtClean="0"/>
+              <a:t>Visit3</a:t>
+            </a:r>
+            <a:r>
+              <a:rPr lang="en-US" dirty="0"/>
+              <a:t>=Data$</a:t>
+            </a:r>
+            <a:r>
+              <a:rPr lang="en-US" dirty="0" smtClean="0"/>
+              <a:t>Visit^</a:t>
             </a:r>
             <a:r>
               <a:rPr lang="en-US" dirty="0" smtClean="0"/>
@@ -8803,11 +8764,23 @@
           <a:p>
             <a:r>
               <a:rPr lang="en-US" dirty="0"/>
-              <a:t>Model1=lm(</a:t>
+              <a:t>Model1=lm</a:t>
+            </a:r>
+            <a:r>
+              <a:rPr lang="en-US" dirty="0"/>
+              <a:t>(</a:t>
             </a:r>
             <a:r>
               <a:rPr lang="en-US" dirty="0" err="1"/>
-              <a:t>TypesKid~VisitNumber,Data</a:t>
+              <a:t>UniqueWordsChild~</a:t>
+            </a:r>
+            <a:r>
+              <a:rPr lang="en-US" dirty="0" err="1" smtClean="0"/>
+              <a:t>Visit,</a:t>
+            </a:r>
+            <a:r>
+              <a:rPr lang="en-US" dirty="0" err="1"/>
+              <a:t>Data</a:t>
             </a:r>
             <a:r>
               <a:rPr lang="en-US" dirty="0"/>
@@ -8821,7 +8794,19 @@
             </a:r>
             <a:r>
               <a:rPr lang="en-US" dirty="0"/>
-              <a:t>=lm(TypesKid~VisitNumber+VisitNumber2,Data</a:t>
+              <a:t>=lm</a:t>
+            </a:r>
+            <a:r>
+              <a:rPr lang="en-US" dirty="0"/>
+              <a:t>(UniqueWordsChild~</a:t>
+            </a:r>
+            <a:r>
+              <a:rPr lang="en-US" dirty="0" smtClean="0"/>
+              <a:t>Visit+Visit2</a:t>
+            </a:r>
+            <a:r>
+              <a:rPr lang="en-US" dirty="0"/>
+              <a:t>,Data</a:t>
             </a:r>
             <a:r>
               <a:rPr lang="en-US" dirty="0" smtClean="0"/>
@@ -8835,11 +8820,23 @@
             </a:r>
             <a:r>
               <a:rPr lang="en-US" dirty="0"/>
-              <a:t>(TypesKid~VisitNumber+</a:t>
+              <a:t>(UniqueWordsChild~</a:t>
             </a:r>
             <a:r>
               <a:rPr lang="en-US" dirty="0" smtClean="0"/>
-              <a:t>VisitNumber2+VisitNumber3,</a:t>
+              <a:t>Visit+Visit2</a:t>
+            </a:r>
+            <a:r>
+              <a:rPr lang="en-US" dirty="0" smtClean="0"/>
+              <a:t>+</a:t>
+            </a:r>
+            <a:r>
+              <a:rPr lang="en-US" dirty="0" smtClean="0"/>
+              <a:t>Visit3</a:t>
+            </a:r>
+            <a:r>
+              <a:rPr lang="en-US" dirty="0" smtClean="0"/>
+              <a:t>,</a:t>
             </a:r>
             <a:r>
               <a:rPr lang="en-US" dirty="0"/>
@@ -10788,7 +10785,15 @@
           <a:p>
             <a:r>
               <a:rPr lang="en-US" dirty="0" smtClean="0"/>
-              <a:t>Is number of words at visit 6 a good predictor of autism?</a:t>
+              <a:t>Is number of </a:t>
+            </a:r>
+            <a:r>
+              <a:rPr lang="en-US" dirty="0" smtClean="0"/>
+              <a:t>unique words </a:t>
+            </a:r>
+            <a:r>
+              <a:rPr lang="en-US" dirty="0" smtClean="0"/>
+              <a:t>at visit 6 a good predictor of autism?</a:t>
             </a:r>
             <a:endParaRPr lang="en-US" dirty="0"/>
           </a:p>
@@ -10847,7 +10852,7 @@
         <p:spPr>
           <a:xfrm>
             <a:off x="457200" y="6217367"/>
-            <a:ext cx="4693901" cy="646331"/>
+            <a:ext cx="5626811" cy="646331"/>
           </a:xfrm>
           <a:prstGeom prst="rect">
             <a:avLst/>
@@ -10866,25 +10871,41 @@
             </a:r>
             <a:r>
               <a:rPr lang="en-US" dirty="0" err="1" smtClean="0"/>
-              <a:t>Data$VisitNumber</a:t>
+              <a:t>Data$</a:t>
+            </a:r>
+            <a:r>
+              <a:rPr lang="en-US" dirty="0" err="1" smtClean="0"/>
+              <a:t>Visit</a:t>
             </a:r>
             <a:r>
               <a:rPr lang="en-US" dirty="0" smtClean="0"/>
-              <a:t>==6,]</a:t>
+              <a:t>=</a:t>
+            </a:r>
+            <a:r>
+              <a:rPr lang="en-US" dirty="0" smtClean="0"/>
+              <a:t>=6,]</a:t>
             </a:r>
           </a:p>
           <a:p>
             <a:r>
               <a:rPr lang="en-US" dirty="0" err="1" smtClean="0"/>
-              <a:t>Ggplot</a:t>
+              <a:t>ggplot</a:t>
             </a:r>
             <a:r>
               <a:rPr lang="en-US" dirty="0" smtClean="0"/>
-              <a:t>(Data6,aes(</a:t>
+              <a:t>(Data6,aes</a:t>
+            </a:r>
+            <a:r>
+              <a:rPr lang="en-US" dirty="0"/>
+              <a:t>(</a:t>
+            </a:r>
+            <a:r>
+              <a:rPr lang="en-US" dirty="0" err="1"/>
+              <a:t>UniqueWordsChild,</a:t>
             </a:r>
             <a:r>
               <a:rPr lang="en-US" dirty="0" err="1" smtClean="0"/>
-              <a:t>TypesKid,ASD</a:t>
+              <a:t>ASD</a:t>
             </a:r>
             <a:r>
               <a:rPr lang="en-US" dirty="0" smtClean="0"/>
@@ -11028,7 +11049,7 @@
         <p:spPr>
           <a:xfrm>
             <a:off x="457200" y="6202068"/>
-            <a:ext cx="3234404" cy="646331"/>
+            <a:ext cx="4167314" cy="646331"/>
           </a:xfrm>
           <a:prstGeom prst="rect">
             <a:avLst/>
@@ -11043,7 +11064,15 @@
           <a:p>
             <a:r>
               <a:rPr lang="en-US" dirty="0" smtClean="0"/>
-              <a:t>Model=lm(ASD~TypesKid,Data6)</a:t>
+              <a:t>Model=lm(ASD</a:t>
+            </a:r>
+            <a:r>
+              <a:rPr lang="en-US" dirty="0"/>
+              <a:t>~UniqueWordsChild,</a:t>
+            </a:r>
+            <a:r>
+              <a:rPr lang="en-US" dirty="0" smtClean="0"/>
+              <a:t>Data6)</a:t>
             </a:r>
           </a:p>
           <a:p>
@@ -12290,7 +12319,7 @@
           <a:graphicData uri="http://schemas.openxmlformats.org/presentationml/2006/ole">
             <mc:AlternateContent xmlns:mc="http://schemas.openxmlformats.org/markup-compatibility/2006">
               <mc:Choice xmlns:v="urn:schemas-microsoft-com:vml" Requires="v">
-                <p:oleObj spid="_x0000_s2404" name="Equation" r:id="rId3" imgW="114300" imgH="165100" progId="Equation.3">
+                <p:oleObj spid="_x0000_s2511" name="Equation" r:id="rId3" imgW="114300" imgH="165100" progId="Equation.3">
                   <p:embed/>
                 </p:oleObj>
               </mc:Choice>
@@ -12347,7 +12376,7 @@
           <a:graphicData uri="http://schemas.openxmlformats.org/presentationml/2006/ole">
             <mc:AlternateContent xmlns:mc="http://schemas.openxmlformats.org/markup-compatibility/2006">
               <mc:Choice xmlns:v="urn:schemas-microsoft-com:vml" Requires="v">
-                <p:oleObj spid="_x0000_s2405" name="Equation" r:id="rId5" imgW="863600" imgH="457200" progId="Equation.3">
+                <p:oleObj spid="_x0000_s2512" name="Equation" r:id="rId5" imgW="863600" imgH="457200" progId="Equation.3">
                   <p:embed/>
                 </p:oleObj>
               </mc:Choice>
@@ -12532,7 +12561,17 @@
                 <a:latin typeface="Courier"/>
                 <a:cs typeface="Courier"/>
               </a:rPr>
-              <a:t>Data$VisitNumber</a:t>
+              <a:t>Data$</a:t>
+            </a:r>
+            <a:r>
+              <a:rPr lang="en-US" b="1" dirty="0" err="1" smtClean="0">
+                <a:solidFill>
+                  <a:srgbClr val="1F497D"/>
+                </a:solidFill>
+                <a:latin typeface="Courier"/>
+                <a:cs typeface="Courier"/>
+              </a:rPr>
+              <a:t>Visit</a:t>
             </a:r>
             <a:r>
               <a:rPr lang="en-US" b="1" dirty="0" smtClean="0">
@@ -12542,7 +12581,17 @@
                 <a:latin typeface="Courier"/>
                 <a:cs typeface="Courier"/>
               </a:rPr>
-              <a:t>==6,]</a:t>
+              <a:t>=</a:t>
+            </a:r>
+            <a:r>
+              <a:rPr lang="en-US" b="1" dirty="0" smtClean="0">
+                <a:solidFill>
+                  <a:srgbClr val="1F497D"/>
+                </a:solidFill>
+                <a:latin typeface="Courier"/>
+                <a:cs typeface="Courier"/>
+              </a:rPr>
+              <a:t>=6,]</a:t>
             </a:r>
           </a:p>
           <a:p>
@@ -12570,14 +12619,8 @@
               <a:t>(ASD ~ </a:t>
             </a:r>
             <a:r>
-              <a:rPr lang="en-US" b="1" dirty="0" err="1" smtClean="0">
-                <a:solidFill>
-                  <a:srgbClr val="1F497D"/>
-                </a:solidFill>
-                <a:latin typeface="Courier"/>
-                <a:cs typeface="Courier"/>
-              </a:rPr>
-              <a:t>TypesKid</a:t>
+              <a:rPr lang="en-US" dirty="0" err="1"/>
+              <a:t>UniqueWordsChild</a:t>
             </a:r>
             <a:r>
               <a:rPr lang="en-US" b="1" dirty="0" smtClean="0">
@@ -12589,6 +12632,13 @@
               </a:rPr>
               <a:t>,</a:t>
             </a:r>
+            <a:endParaRPr lang="en-US" b="1" dirty="0" smtClean="0">
+              <a:solidFill>
+                <a:srgbClr val="1F497D"/>
+              </a:solidFill>
+              <a:latin typeface="Courier"/>
+              <a:cs typeface="Courier"/>
+            </a:endParaRPr>
           </a:p>
           <a:p>
             <a:pPr marL="0" indent="0">
@@ -13362,8 +13412,8 @@
         </p:nvSpPr>
         <p:spPr>
           <a:xfrm>
-            <a:off x="2013801" y="5081380"/>
-            <a:ext cx="5448746" cy="1477328"/>
+            <a:off x="1443126" y="5081380"/>
+            <a:ext cx="6277592" cy="1508105"/>
           </a:xfrm>
           <a:prstGeom prst="rect">
             <a:avLst/>
@@ -13381,12 +13431,16 @@
               <a:t>For each increase in </a:t>
             </a:r>
             <a:r>
-              <a:rPr lang="en-US" sz="3000" b="1" dirty="0" err="1" smtClean="0"/>
-              <a:t>TypesKid</a:t>
+              <a:rPr lang="en-US" sz="3200" dirty="0" err="1"/>
+              <a:t>UniqueWordsChild</a:t>
             </a:r>
             <a:r>
               <a:rPr lang="en-US" sz="3000" b="1" dirty="0" smtClean="0"/>
-              <a:t> by 1, how much the log odds decrease (= the slope)</a:t>
+              <a:t> </a:t>
+            </a:r>
+            <a:r>
+              <a:rPr lang="en-US" sz="3000" b="1" dirty="0" smtClean="0"/>
+              <a:t>by 1, how much the log odds decrease (= the slope)</a:t>
             </a:r>
             <a:endParaRPr lang="en-US" sz="3000" b="1" dirty="0"/>
           </a:p>
@@ -15843,7 +15897,7 @@
           <a:graphicData uri="http://schemas.openxmlformats.org/presentationml/2006/ole">
             <mc:AlternateContent xmlns:mc="http://schemas.openxmlformats.org/markup-compatibility/2006">
               <mc:Choice xmlns:v="urn:schemas-microsoft-com:vml" Requires="v">
-                <p:oleObj spid="_x0000_s3428" name="Equation" r:id="rId3" imgW="520700" imgH="431800" progId="Equation.3">
+                <p:oleObj spid="_x0000_s3535" name="Equation" r:id="rId3" imgW="520700" imgH="431800" progId="Equation.3">
                   <p:embed/>
                 </p:oleObj>
               </mc:Choice>
@@ -15930,7 +15984,7 @@
           <a:graphicData uri="http://schemas.openxmlformats.org/presentationml/2006/ole">
             <mc:AlternateContent xmlns:mc="http://schemas.openxmlformats.org/markup-compatibility/2006">
               <mc:Choice xmlns:v="urn:schemas-microsoft-com:vml" Requires="v">
-                <p:oleObj spid="_x0000_s3429" name="Equation" r:id="rId5" imgW="520700" imgH="431800" progId="Equation.3">
+                <p:oleObj spid="_x0000_s3536" name="Equation" r:id="rId5" imgW="520700" imgH="431800" progId="Equation.3">
                   <p:embed/>
                 </p:oleObj>
               </mc:Choice>
@@ -16997,7 +17051,7 @@
           <a:graphicData uri="http://schemas.openxmlformats.org/presentationml/2006/ole">
             <mc:AlternateContent xmlns:mc="http://schemas.openxmlformats.org/markup-compatibility/2006">
               <mc:Choice xmlns:v="urn:schemas-microsoft-com:vml" Requires="v">
-                <p:oleObj spid="_x0000_s4277" name="Equation" r:id="rId3" imgW="165100" imgH="203200" progId="Equation.3">
+                <p:oleObj spid="_x0000_s4331" name="Equation" r:id="rId3" imgW="165100" imgH="203200" progId="Equation.3">
                   <p:embed/>
                 </p:oleObj>
               </mc:Choice>
@@ -17644,8 +17698,8 @@
         </p:nvSpPr>
         <p:spPr>
           <a:xfrm>
-            <a:off x="6816725" y="5499914"/>
-            <a:ext cx="2438400" cy="1477328"/>
+            <a:off x="6816725" y="5283464"/>
+            <a:ext cx="2438400" cy="1661994"/>
           </a:xfrm>
           <a:prstGeom prst="rect">
             <a:avLst/>
@@ -17667,18 +17721,18 @@
           <a:p>
             <a:pPr algn="ctr"/>
             <a:r>
-              <a:rPr lang="en-US" sz="3000" b="1" dirty="0" smtClean="0"/>
+              <a:rPr lang="en-US" sz="2400" b="1" dirty="0" smtClean="0"/>
               <a:t>0.87974</a:t>
             </a:r>
-            <a:endParaRPr lang="en-US" sz="3000" b="1" dirty="0"/>
+            <a:endParaRPr lang="en-US" sz="2400" b="1" dirty="0"/>
           </a:p>
           <a:p>
             <a:pPr algn="ctr"/>
             <a:r>
-              <a:rPr lang="en-US" sz="3000" b="1" dirty="0" smtClean="0"/>
-              <a:t>0.49675</a:t>
-            </a:r>
-            <a:endParaRPr lang="en-US" sz="3000" b="1" dirty="0"/>
+              <a:rPr lang="en-US" sz="2400" b="1" dirty="0" smtClean="0"/>
+              <a:t>0.49675 (aka 0.00325)</a:t>
+            </a:r>
+            <a:endParaRPr lang="en-US" sz="2400" b="1" dirty="0"/>
           </a:p>
         </p:txBody>
       </p:sp>
@@ -18466,7 +18520,7 @@
           <a:graphicData uri="http://schemas.openxmlformats.org/presentationml/2006/ole">
             <mc:AlternateContent xmlns:mc="http://schemas.openxmlformats.org/markup-compatibility/2006">
               <mc:Choice xmlns:v="urn:schemas-microsoft-com:vml" Requires="v">
-                <p:oleObj spid="_x0000_s5476" name="Equation" r:id="rId3" imgW="863600" imgH="457200" progId="Equation.3">
+                <p:oleObj spid="_x0000_s5583" name="Equation" r:id="rId3" imgW="863600" imgH="457200" progId="Equation.3">
                   <p:embed/>
                 </p:oleObj>
               </mc:Choice>
@@ -18577,7 +18631,7 @@
           <a:graphicData uri="http://schemas.openxmlformats.org/presentationml/2006/ole">
             <mc:AlternateContent xmlns:mc="http://schemas.openxmlformats.org/markup-compatibility/2006">
               <mc:Choice xmlns:v="urn:schemas-microsoft-com:vml" Requires="v">
-                <p:oleObj spid="_x0000_s5477" name="Equation" r:id="rId5" imgW="381000" imgH="406400" progId="Equation.3">
+                <p:oleObj spid="_x0000_s5584" name="Equation" r:id="rId5" imgW="381000" imgH="406400" progId="Equation.3">
                   <p:embed/>
                 </p:oleObj>
               </mc:Choice>
@@ -20083,7 +20137,7 @@
               <a:t>3</a:t>
             </a:r>
             <a:r>
-              <a:rPr lang="da-DK" smtClean="0">
+              <a:rPr lang="da-DK" dirty="0" smtClean="0">
                 <a:solidFill>
                   <a:srgbClr val="404040"/>
                 </a:solidFill>
@@ -20091,7 +20145,7 @@
               <a:t>2</a:t>
             </a:r>
             <a:r>
-              <a:rPr smtClean="0">
+              <a:rPr dirty="0" smtClean="0">
                 <a:solidFill>
                   <a:srgbClr val="404040"/>
                 </a:solidFill>
@@ -20224,8 +20278,121 @@
                   <a:srgbClr val="404040"/>
                 </a:solidFill>
               </a:rPr>
-              <a:t>Videos were transcribed at word level and lexicon size automatically assessed</a:t>
-            </a:r>
+              <a:t>Videos were transcribed at word level and lexicon size automatically </a:t>
+            </a:r>
+            <a:r>
+              <a:rPr dirty="0" smtClean="0">
+                <a:solidFill>
+                  <a:srgbClr val="404040"/>
+                </a:solidFill>
+              </a:rPr>
+              <a:t>assessed</a:t>
+            </a:r>
+            <a:endParaRPr lang="da-DK" dirty="0">
+              <a:solidFill>
+                <a:srgbClr val="404040"/>
+              </a:solidFill>
+            </a:endParaRPr>
+          </a:p>
+          <a:p>
+            <a:pPr marL="145202" lvl="0" indent="-145202">
+              <a:defRPr sz="1800">
+                <a:solidFill>
+                  <a:srgbClr val="000000"/>
+                </a:solidFill>
+              </a:defRPr>
+            </a:pPr>
+            <a:endParaRPr lang="da-DK" dirty="0" smtClean="0">
+              <a:solidFill>
+                <a:srgbClr val="404040"/>
+              </a:solidFill>
+            </a:endParaRPr>
+          </a:p>
+          <a:p>
+            <a:pPr marL="145202" lvl="0" indent="-145202">
+              <a:defRPr sz="1800">
+                <a:solidFill>
+                  <a:srgbClr val="000000"/>
+                </a:solidFill>
+              </a:defRPr>
+            </a:pPr>
+            <a:r>
+              <a:rPr lang="da-DK" dirty="0" smtClean="0">
+                <a:solidFill>
+                  <a:srgbClr val="404040"/>
+                </a:solidFill>
+              </a:rPr>
+              <a:t>N.B. The </a:t>
+            </a:r>
+            <a:r>
+              <a:rPr lang="da-DK" dirty="0" err="1" smtClean="0">
+                <a:solidFill>
+                  <a:srgbClr val="404040"/>
+                </a:solidFill>
+              </a:rPr>
+              <a:t>exercise</a:t>
+            </a:r>
+            <a:r>
+              <a:rPr lang="da-DK" dirty="0" smtClean="0">
+                <a:solidFill>
+                  <a:srgbClr val="404040"/>
+                </a:solidFill>
+              </a:rPr>
+              <a:t> </a:t>
+            </a:r>
+            <a:r>
+              <a:rPr lang="da-DK" dirty="0" err="1" smtClean="0">
+                <a:solidFill>
+                  <a:srgbClr val="404040"/>
+                </a:solidFill>
+              </a:rPr>
+              <a:t>today</a:t>
+            </a:r>
+            <a:r>
+              <a:rPr lang="da-DK" dirty="0" smtClean="0">
+                <a:solidFill>
+                  <a:srgbClr val="404040"/>
+                </a:solidFill>
+              </a:rPr>
+              <a:t> is </a:t>
+            </a:r>
+            <a:r>
+              <a:rPr lang="da-DK" dirty="0" err="1" smtClean="0">
+                <a:solidFill>
+                  <a:srgbClr val="404040"/>
+                </a:solidFill>
+              </a:rPr>
+              <a:t>based</a:t>
+            </a:r>
+            <a:r>
+              <a:rPr lang="da-DK" dirty="0" smtClean="0">
+                <a:solidFill>
+                  <a:srgbClr val="404040"/>
+                </a:solidFill>
+              </a:rPr>
+              <a:t> on </a:t>
+            </a:r>
+            <a:r>
+              <a:rPr lang="da-DK" dirty="0" err="1" smtClean="0">
+                <a:solidFill>
+                  <a:srgbClr val="404040"/>
+                </a:solidFill>
+              </a:rPr>
+              <a:t>this</a:t>
+            </a:r>
+            <a:r>
+              <a:rPr lang="da-DK" dirty="0" smtClean="0">
+                <a:solidFill>
+                  <a:srgbClr val="404040"/>
+                </a:solidFill>
+              </a:rPr>
+              <a:t> corpus</a:t>
+            </a:r>
+            <a:endParaRPr dirty="0">
+              <a:solidFill>
+                <a:srgbClr val="404040"/>
+              </a:solidFill>
+            </a:endParaRPr>
           </a:p>
         </p:txBody>
       </p:sp>
@@ -20721,7 +20888,7 @@
           <a:graphicData uri="http://schemas.openxmlformats.org/presentationml/2006/ole">
             <mc:AlternateContent xmlns:mc="http://schemas.openxmlformats.org/markup-compatibility/2006">
               <mc:Choice xmlns:v="urn:schemas-microsoft-com:vml" Requires="v">
-                <p:oleObj spid="_x0000_s9572" name="Equation" r:id="rId4" imgW="165100" imgH="203200" progId="Equation.3">
+                <p:oleObj spid="_x0000_s9679" name="Equation" r:id="rId4" imgW="165100" imgH="203200" progId="Equation.3">
                   <p:embed/>
                 </p:oleObj>
               </mc:Choice>
@@ -21043,7 +21210,7 @@
           <a:graphicData uri="http://schemas.openxmlformats.org/presentationml/2006/ole">
             <mc:AlternateContent xmlns:mc="http://schemas.openxmlformats.org/markup-compatibility/2006">
               <mc:Choice xmlns:v="urn:schemas-microsoft-com:vml" Requires="v">
-                <p:oleObj spid="_x0000_s9573" name="Equation" r:id="rId6" imgW="165100" imgH="203200" progId="Equation.3">
+                <p:oleObj spid="_x0000_s9680" name="Equation" r:id="rId6" imgW="165100" imgH="203200" progId="Equation.3">
                   <p:embed/>
                 </p:oleObj>
               </mc:Choice>
@@ -23272,8 +23439,8 @@
         </p:nvSpPr>
         <p:spPr>
           <a:xfrm>
-            <a:off x="2674470" y="1217706"/>
-            <a:ext cx="3929530" cy="911412"/>
+            <a:off x="2674470" y="995691"/>
+            <a:ext cx="3929530" cy="1133427"/>
           </a:xfrm>
           <a:prstGeom prst="roundRect">
             <a:avLst/>
@@ -23300,7 +23467,11 @@
             <a:pPr algn="ctr"/>
             <a:r>
               <a:rPr lang="en-US" sz="3600" b="1" dirty="0" smtClean="0"/>
-              <a:t>Categorical Data</a:t>
+              <a:t>Non-continuous </a:t>
+            </a:r>
+            <a:r>
+              <a:rPr lang="en-US" sz="3600" b="1" dirty="0" smtClean="0"/>
+              <a:t>Data</a:t>
             </a:r>
             <a:endParaRPr lang="en-US" sz="3600" b="1" dirty="0"/>
           </a:p>
@@ -31415,9 +31586,16 @@
             <p:ph idx="1"/>
           </p:nvPr>
         </p:nvSpPr>
-        <p:spPr/>
+        <p:spPr>
+          <a:xfrm>
+            <a:off x="457200" y="1600200"/>
+            <a:ext cx="8229600" cy="3046357"/>
+          </a:xfrm>
+        </p:spPr>
         <p:txBody>
-          <a:bodyPr/>
+          <a:bodyPr>
+            <a:normAutofit fontScale="92500" lnSpcReduction="10000"/>
+          </a:bodyPr>
           <a:lstStyle/>
           <a:p>
             <a:r>
@@ -31425,16 +31603,24 @@
               <a:t>Download </a:t>
             </a:r>
             <a:r>
-              <a:rPr lang="en-US" dirty="0">
-                <a:hlinkClick r:id="rId2"/>
-              </a:rPr>
-              <a:t>http://bit.ly/</a:t>
-            </a:r>
-            <a:r>
-              <a:rPr lang="en-US" dirty="0" smtClean="0">
-                <a:hlinkClick r:id="rId2"/>
-              </a:rPr>
-              <a:t>1EFqPzu</a:t>
+              <a:rPr lang="en-US" dirty="0"/>
+              <a:t>https://</a:t>
+            </a:r>
+            <a:r>
+              <a:rPr lang="en-US" dirty="0" err="1"/>
+              <a:t>github.com</a:t>
+            </a:r>
+            <a:r>
+              <a:rPr lang="en-US" dirty="0"/>
+              <a:t>/</a:t>
+            </a:r>
+            <a:r>
+              <a:rPr lang="en-US" dirty="0" err="1"/>
+              <a:t>fusaroli</a:t>
+            </a:r>
+            <a:r>
+              <a:rPr lang="en-US" dirty="0"/>
+              <a:t>/Stats4Humanities2016/blob/master/Day5/Day5Exercise.csv</a:t>
             </a:r>
             <a:endParaRPr lang="en-US" dirty="0" smtClean="0"/>
           </a:p>
@@ -31443,40 +31629,14 @@
               <a:rPr lang="en-US" dirty="0" smtClean="0"/>
               <a:t>Put it in your working folder</a:t>
             </a:r>
+            <a:endParaRPr lang="en-US" dirty="0" smtClean="0"/>
           </a:p>
           <a:p>
             <a:r>
               <a:rPr lang="en-US" dirty="0" smtClean="0"/>
-              <a:t>Data=</a:t>
-            </a:r>
-            <a:r>
-              <a:rPr lang="en-US" dirty="0" err="1"/>
-              <a:t>read.table</a:t>
-            </a:r>
-            <a:r>
-              <a:rPr lang="en-US" dirty="0" smtClean="0"/>
-              <a:t>(’</a:t>
-            </a:r>
-            <a:r>
-              <a:rPr lang="en-US" dirty="0" err="1" smtClean="0"/>
-              <a:t>KidWords.txt</a:t>
-            </a:r>
-            <a:r>
-              <a:rPr lang="en-US" dirty="0"/>
-              <a:t>', </a:t>
-            </a:r>
-            <a:r>
-              <a:rPr lang="en-US" dirty="0" err="1"/>
-              <a:t>sep</a:t>
-            </a:r>
-            <a:r>
-              <a:rPr lang="en-US" dirty="0"/>
-              <a:t>="\t", header=TRUE</a:t>
-            </a:r>
-            <a:r>
-              <a:rPr lang="en-US" dirty="0" smtClean="0"/>
-              <a:t>)</a:t>
-            </a:r>
+              <a:t>Load it</a:t>
+            </a:r>
+            <a:endParaRPr lang="en-US" dirty="0" smtClean="0"/>
           </a:p>
           <a:p>
             <a:r>
@@ -31489,27 +31649,22 @@
       </p:sp>
       <p:pic>
         <p:nvPicPr>
-          <p:cNvPr id="5" name="Picture 4" descr="Screenshot 2015-02-04 09.51.16.png"/>
+          <p:cNvPr id="4" name="Picture 3"/>
           <p:cNvPicPr>
             <a:picLocks noChangeAspect="1"/>
           </p:cNvPicPr>
           <p:nvPr/>
         </p:nvPicPr>
-        <p:blipFill rotWithShape="1">
-          <a:blip r:embed="rId3">
-            <a:extLst>
-              <a:ext uri="{28A0092B-C50C-407E-A947-70E740481C1C}">
-                <a14:useLocalDpi xmlns:a14="http://schemas.microsoft.com/office/drawing/2010/main" val="0"/>
-              </a:ext>
-            </a:extLst>
-          </a:blip>
-          <a:srcRect r="5316"/>
-          <a:stretch/>
+        <p:blipFill>
+          <a:blip r:embed="rId2"/>
+          <a:stretch>
+            <a:fillRect/>
+          </a:stretch>
         </p:blipFill>
         <p:spPr>
           <a:xfrm>
-            <a:off x="542925" y="4490597"/>
-            <a:ext cx="8143876" cy="2081653"/>
+            <a:off x="0" y="5352799"/>
+            <a:ext cx="9144000" cy="894522"/>
           </a:xfrm>
           <a:prstGeom prst="rect">
             <a:avLst/>
@@ -33840,7 +33995,15 @@
                   <a:srgbClr val="000000"/>
                 </a:solidFill>
               </a:rPr>
-              <a:t>Kid as a fixed effect?</a:t>
+              <a:t>Child </a:t>
+            </a:r>
+            <a:r>
+              <a:rPr lang="en-US" b="1" dirty="0" smtClean="0">
+                <a:solidFill>
+                  <a:srgbClr val="000000"/>
+                </a:solidFill>
+              </a:rPr>
+              <a:t>as a fixed effect?</a:t>
             </a:r>
             <a:endParaRPr lang="en-US" b="1" dirty="0">
               <a:solidFill>
@@ -34260,20 +34423,20 @@
           <a:lstStyle/>
           <a:p>
             <a:r>
-              <a:rPr lang="en-US" b="1" dirty="0" err="1" smtClean="0">
-                <a:solidFill>
-                  <a:srgbClr val="000000"/>
-                </a:solidFill>
-              </a:rPr>
-              <a:t>VisitNumber</a:t>
-            </a:r>
-            <a:r>
               <a:rPr lang="en-US" b="1" dirty="0" smtClean="0">
                 <a:solidFill>
                   <a:srgbClr val="000000"/>
                 </a:solidFill>
               </a:rPr>
-              <a:t> as a fixed effect?</a:t>
+              <a:t>Visit </a:t>
+            </a:r>
+            <a:r>
+              <a:rPr lang="en-US" b="1" dirty="0" smtClean="0">
+                <a:solidFill>
+                  <a:srgbClr val="000000"/>
+                </a:solidFill>
+              </a:rPr>
+              <a:t>as a fixed effect?</a:t>
             </a:r>
             <a:endParaRPr lang="en-US" b="1" dirty="0">
               <a:solidFill>
@@ -34929,7 +35092,7 @@
         <p:spPr>
           <a:xfrm>
             <a:off x="1514756" y="6135112"/>
-            <a:ext cx="5628952" cy="646331"/>
+            <a:ext cx="6603340" cy="646331"/>
           </a:xfrm>
           <a:prstGeom prst="rect">
             <a:avLst/>
@@ -34944,20 +35107,37 @@
           <a:p>
             <a:r>
               <a:rPr lang="en-US" dirty="0" err="1"/>
-              <a:t>Data$Kid</a:t>
+              <a:t>Data</a:t>
+            </a:r>
+            <a:r>
+              <a:rPr lang="en-US" dirty="0" err="1" smtClean="0"/>
+              <a:t>$Child</a:t>
+            </a:r>
+            <a:r>
+              <a:rPr lang="en-US" dirty="0" err="1" smtClean="0"/>
+              <a:t>.ID</a:t>
+            </a:r>
+            <a:r>
+              <a:rPr lang="en-US" dirty="0" smtClean="0"/>
+              <a:t>=</a:t>
             </a:r>
             <a:r>
               <a:rPr lang="en-US" dirty="0"/>
-              <a:t>=factor(</a:t>
+              <a:t>factor(</a:t>
             </a:r>
             <a:r>
               <a:rPr lang="en-US" dirty="0" err="1"/>
-              <a:t>Data$Kid</a:t>
-            </a:r>
-            <a:r>
-              <a:rPr lang="en-US" dirty="0"/>
+              <a:t>Data</a:t>
+            </a:r>
+            <a:r>
+              <a:rPr lang="en-US" dirty="0" err="1" smtClean="0"/>
+              <a:t>$Child.ID</a:t>
+            </a:r>
+            <a:r>
+              <a:rPr lang="en-US" dirty="0" smtClean="0"/>
               <a:t>)</a:t>
             </a:r>
+            <a:endParaRPr lang="en-US" dirty="0"/>
           </a:p>
           <a:p>
             <a:r>
@@ -34982,11 +35162,7 @@
             </a:r>
             <a:r>
               <a:rPr lang="en-US" dirty="0"/>
-              <a:t>(x=</a:t>
-            </a:r>
-            <a:r>
-              <a:rPr lang="en-US" dirty="0" err="1"/>
-              <a:t>Kid,y</a:t>
+              <a:t>(x</a:t>
             </a:r>
             <a:r>
               <a:rPr lang="en-US" dirty="0"/>
@@ -34994,11 +35170,27 @@
             </a:r>
             <a:r>
               <a:rPr lang="en-US" dirty="0" err="1"/>
-              <a:t>TypesKid</a:t>
+              <a:t>Child.ID,</a:t>
+            </a:r>
+            <a:r>
+              <a:rPr lang="en-US" dirty="0" err="1"/>
+              <a:t>y</a:t>
+            </a:r>
+            <a:r>
+              <a:rPr lang="en-US" dirty="0" smtClean="0"/>
+              <a:t>=</a:t>
+            </a:r>
+            <a:r>
+              <a:rPr lang="en-US" dirty="0" err="1" smtClean="0"/>
+              <a:t>UniqueWordsChi</a:t>
+            </a:r>
+            <a:r>
+              <a:rPr lang="en-US" dirty="0" smtClean="0"/>
+              <a:t>)</a:t>
             </a:r>
             <a:r>
               <a:rPr lang="en-US" dirty="0"/>
-              <a:t>))+</a:t>
+              <a:t>)+</a:t>
             </a:r>
             <a:r>
               <a:rPr lang="en-US" dirty="0" err="1"/>
@@ -35281,15 +35473,19 @@
             </a:r>
             <a:r>
               <a:rPr lang="en-US" dirty="0" err="1" smtClean="0"/>
-              <a:t>TypesKid</a:t>
+              <a:t>UniqueWordsChild</a:t>
             </a:r>
             <a:r>
               <a:rPr lang="en-US" dirty="0" smtClean="0"/>
-              <a:t> by </a:t>
-            </a:r>
-            <a:r>
-              <a:rPr lang="en-US" dirty="0" err="1" smtClean="0"/>
-              <a:t>VisitNumber</a:t>
+              <a:t> </a:t>
+            </a:r>
+            <a:r>
+              <a:rPr lang="en-US" dirty="0" smtClean="0"/>
+              <a:t>by </a:t>
+            </a:r>
+            <a:r>
+              <a:rPr lang="en-US" dirty="0" smtClean="0"/>
+              <a:t>Visit</a:t>
             </a:r>
             <a:endParaRPr lang="en-US" dirty="0" smtClean="0"/>
           </a:p>
@@ -35315,12 +35511,24 @@
               <a:t>(</a:t>
             </a:r>
             <a:r>
-              <a:rPr lang="en-US" dirty="0" err="1" smtClean="0"/>
-              <a:t>VisitNumber,TypesKid</a:t>
-            </a:r>
-            <a:r>
               <a:rPr lang="en-US" dirty="0" smtClean="0"/>
-              <a:t>))+</a:t>
+              <a:t>Visit</a:t>
+            </a:r>
+            <a:r>
+              <a:rPr lang="en-US" dirty="0"/>
+              <a:t>, </a:t>
+            </a:r>
+            <a:r>
+              <a:rPr lang="en-US" dirty="0" err="1"/>
+              <a:t>UniqueWordsChild</a:t>
+            </a:r>
+            <a:r>
+              <a:rPr lang="en-US" dirty="0"/>
+              <a:t>)</a:t>
+            </a:r>
+            <a:r>
+              <a:rPr lang="en-US" dirty="0" smtClean="0"/>
+              <a:t>)+</a:t>
             </a:r>
             <a:r>
               <a:rPr lang="en-US" dirty="0" err="1" smtClean="0"/>
@@ -35983,7 +36191,14 @@
                 <a:latin typeface="Telephoto"/>
                 <a:cs typeface="Telephoto"/>
               </a:rPr>
-              <a:t>In R: (1|Kid)</a:t>
+              <a:t>In R: (1</a:t>
+            </a:r>
+            <a:r>
+              <a:rPr lang="en-US" sz="2200" dirty="0" smtClean="0">
+                <a:latin typeface="Telephoto"/>
+                <a:cs typeface="Telephoto"/>
+              </a:rPr>
+              <a:t>|Child.ID)</a:t>
             </a:r>
             <a:endParaRPr lang="en-US" sz="2200" dirty="0">
               <a:latin typeface="Telephoto"/>
@@ -36031,7 +36246,14 @@
                 <a:latin typeface="Telephoto"/>
                 <a:cs typeface="Telephoto"/>
               </a:rPr>
-              <a:t>In R: (1+VisitNumber|Kid)</a:t>
+              <a:t>In R: (1+</a:t>
+            </a:r>
+            <a:r>
+              <a:rPr lang="en-US" sz="2200" dirty="0" smtClean="0">
+                <a:latin typeface="Telephoto"/>
+                <a:cs typeface="Telephoto"/>
+              </a:rPr>
+              <a:t>Visit|Child.ID)</a:t>
             </a:r>
             <a:endParaRPr lang="en-US" sz="2200" dirty="0">
               <a:latin typeface="Telephoto"/>
@@ -37982,23 +38204,27 @@
           <a:p>
             <a:r>
               <a:rPr lang="en-US" sz="5200" dirty="0" smtClean="0"/>
-              <a:t>Model=lm(</a:t>
+              <a:t>Model=lm</a:t>
+            </a:r>
+            <a:r>
+              <a:rPr lang="en-US" sz="5200" dirty="0" smtClean="0"/>
+              <a:t>(</a:t>
             </a:r>
             <a:r>
               <a:rPr lang="en-US" sz="5200" dirty="0" err="1" smtClean="0"/>
-              <a:t>TypesKid</a:t>
+              <a:t>UniqueWordsChild</a:t>
             </a:r>
             <a:r>
               <a:rPr lang="en-US" sz="5200" dirty="0" smtClean="0"/>
-              <a:t> ~ </a:t>
-            </a:r>
-            <a:r>
-              <a:rPr lang="en-US" sz="5200" dirty="0" err="1" smtClean="0"/>
-              <a:t>VisitNumber</a:t>
-            </a:r>
-            <a:r>
-              <a:rPr lang="en-US" sz="5200" dirty="0"/>
-              <a:t>, </a:t>
+              <a:t> </a:t>
+            </a:r>
+            <a:r>
+              <a:rPr lang="en-US" sz="5200" dirty="0" smtClean="0"/>
+              <a:t>~ </a:t>
+            </a:r>
+            <a:r>
+              <a:rPr lang="en-US" sz="5200" dirty="0" smtClean="0"/>
+              <a:t>Visit, </a:t>
             </a:r>
             <a:r>
               <a:rPr lang="en-US" sz="5200" dirty="0" smtClean="0"/>
@@ -38036,32 +38262,32 @@
               <a:t>lmer</a:t>
             </a:r>
             <a:r>
+              <a:rPr lang="en-US" sz="5200" dirty="0"/>
+              <a:t>(</a:t>
+            </a:r>
+            <a:r>
+              <a:rPr lang="en-US" sz="5200" dirty="0" err="1"/>
+              <a:t>UniqueWordsChild</a:t>
+            </a:r>
+            <a:r>
+              <a:rPr lang="en-US" sz="5200" dirty="0"/>
+              <a:t> ~ </a:t>
+            </a:r>
+            <a:r>
               <a:rPr lang="en-US" sz="5200" dirty="0" smtClean="0"/>
-              <a:t>(</a:t>
-            </a:r>
-            <a:r>
-              <a:rPr lang="en-US" sz="5200" dirty="0" err="1" smtClean="0"/>
-              <a:t>TypesKid</a:t>
+              <a:t>Visit + </a:t>
+            </a:r>
+            <a:r>
+              <a:rPr lang="en-US" sz="5200" dirty="0"/>
+              <a:t>(1</a:t>
             </a:r>
             <a:r>
               <a:rPr lang="en-US" sz="5200" dirty="0" smtClean="0"/>
-              <a:t> </a:t>
-            </a:r>
-            <a:r>
-              <a:rPr lang="en-US" sz="5200" dirty="0"/>
-              <a:t>~ </a:t>
-            </a:r>
-            <a:r>
-              <a:rPr lang="en-US" sz="5200" dirty="0" err="1" smtClean="0"/>
-              <a:t>VisitNumber</a:t>
-            </a:r>
-            <a:r>
-              <a:rPr lang="en-US" sz="5200" dirty="0"/>
-              <a:t>+ (1</a:t>
+              <a:t>|Child.ID)</a:t>
             </a:r>
             <a:r>
               <a:rPr lang="en-US" sz="5200" dirty="0" smtClean="0"/>
-              <a:t>|Kid),Data)</a:t>
+              <a:t>,Data)</a:t>
             </a:r>
           </a:p>
           <a:p>
@@ -38085,36 +38311,36 @@
               <a:t>lmer</a:t>
             </a:r>
             <a:r>
+              <a:rPr lang="en-US" sz="5200" dirty="0"/>
+              <a:t>(</a:t>
+            </a:r>
+            <a:r>
+              <a:rPr lang="en-US" sz="5200" dirty="0" err="1"/>
+              <a:t>UniqueWordsChild</a:t>
+            </a:r>
+            <a:r>
+              <a:rPr lang="en-US" sz="5200" dirty="0"/>
+              <a:t>  </a:t>
+            </a:r>
+            <a:r>
+              <a:rPr lang="en-US" sz="5200" dirty="0"/>
+              <a:t>~ </a:t>
+            </a:r>
+            <a:r>
+              <a:rPr lang="en-US" sz="5200" dirty="0" smtClean="0"/>
+              <a:t>Visit + </a:t>
+            </a:r>
+            <a:r>
               <a:rPr lang="en-US" sz="5200" dirty="0" smtClean="0"/>
               <a:t>(</a:t>
             </a:r>
             <a:r>
               <a:rPr lang="en-US" sz="5200" dirty="0" err="1" smtClean="0"/>
-              <a:t>TypesKid</a:t>
-            </a:r>
-            <a:r>
-              <a:rPr lang="en-US" sz="5200" dirty="0" smtClean="0"/>
-              <a:t> </a:t>
-            </a:r>
-            <a:r>
-              <a:rPr lang="en-US" sz="5200" dirty="0"/>
-              <a:t>~ </a:t>
-            </a:r>
-            <a:r>
-              <a:rPr lang="en-US" sz="5200" dirty="0" err="1"/>
-              <a:t>VisitNumber</a:t>
-            </a:r>
-            <a:r>
-              <a:rPr lang="en-US" sz="5200" dirty="0"/>
-              <a:t>+ </a:t>
-            </a:r>
-            <a:r>
-              <a:rPr lang="en-US" sz="5200" dirty="0" smtClean="0"/>
-              <a:t>(</a:t>
+              <a:t>Visit|</a:t>
             </a:r>
             <a:r>
               <a:rPr lang="en-US" sz="5200" dirty="0" err="1" smtClean="0"/>
-              <a:t>VisitNumber|Kid</a:t>
+              <a:t>Kid</a:t>
             </a:r>
             <a:r>
               <a:rPr lang="en-US" sz="5200" dirty="0" smtClean="0"/>
@@ -38216,7 +38442,7 @@
         <p:spPr/>
         <p:txBody>
           <a:bodyPr>
-            <a:normAutofit fontScale="77500" lnSpcReduction="20000"/>
+            <a:normAutofit fontScale="85000" lnSpcReduction="20000"/>
           </a:bodyPr>
           <a:lstStyle/>
           <a:p>
@@ -38237,27 +38463,35 @@
             </a:r>
             <a:r>
               <a:rPr lang="en-US" sz="5200" dirty="0" err="1"/>
-              <a:t>TypesKid</a:t>
+              <a:t>UniqueWordsChild</a:t>
             </a:r>
             <a:r>
               <a:rPr lang="en-US" sz="5200" dirty="0"/>
-              <a:t> ~ </a:t>
-            </a:r>
-            <a:r>
-              <a:rPr lang="en-US" sz="5200" dirty="0" err="1"/>
-              <a:t>VisitNumber</a:t>
+              <a:t>  </a:t>
             </a:r>
             <a:r>
               <a:rPr lang="en-US" sz="5200" dirty="0"/>
-              <a:t>+ (</a:t>
-            </a:r>
-            <a:r>
-              <a:rPr lang="en-US" sz="5200" dirty="0" err="1"/>
-              <a:t>VisitNumber|Subject</a:t>
+              <a:t>~ </a:t>
             </a:r>
             <a:r>
               <a:rPr lang="en-US" sz="5200" dirty="0" smtClean="0"/>
-              <a:t>)+(1|Experimenter)</a:t>
+              <a:t>Visit+ </a:t>
+            </a:r>
+            <a:r>
+              <a:rPr lang="en-US" sz="5200" dirty="0"/>
+              <a:t>(</a:t>
+            </a:r>
+            <a:r>
+              <a:rPr lang="en-US" sz="5200" dirty="0" err="1" smtClean="0"/>
+              <a:t>Visit|Child.ID</a:t>
+            </a:r>
+            <a:r>
+              <a:rPr lang="en-US" sz="5200" dirty="0" smtClean="0"/>
+              <a:t>)</a:t>
+            </a:r>
+            <a:r>
+              <a:rPr lang="en-US" sz="5200" dirty="0" smtClean="0"/>
+              <a:t>+(1|Experimenter)</a:t>
             </a:r>
           </a:p>
           <a:p>
@@ -38278,27 +38512,39 @@
             </a:r>
             <a:r>
               <a:rPr lang="en-US" sz="5200" dirty="0" err="1"/>
-              <a:t>TypesKid</a:t>
+              <a:t>UniqueWordsChild</a:t>
             </a:r>
             <a:r>
               <a:rPr lang="en-US" sz="5200" dirty="0"/>
-              <a:t> ~ </a:t>
-            </a:r>
-            <a:r>
-              <a:rPr lang="en-US" sz="5200" dirty="0" err="1"/>
-              <a:t>VisitNumber</a:t>
+              <a:t>  </a:t>
             </a:r>
             <a:r>
               <a:rPr lang="en-US" sz="5200" dirty="0"/>
-              <a:t>+ (</a:t>
-            </a:r>
-            <a:r>
-              <a:rPr lang="en-US" sz="5200" dirty="0" err="1"/>
-              <a:t>VisitNumber|Subject</a:t>
+              <a:t>~ </a:t>
+            </a:r>
+            <a:r>
+              <a:rPr lang="en-US" sz="5200" dirty="0" smtClean="0"/>
+              <a:t>Visit+ </a:t>
             </a:r>
             <a:r>
               <a:rPr lang="en-US" sz="5200" dirty="0"/>
-              <a:t>)+</a:t>
+              <a:t>(</a:t>
+            </a:r>
+            <a:r>
+              <a:rPr lang="en-US" sz="5200" dirty="0" err="1" smtClean="0"/>
+              <a:t>Visit|Child</a:t>
+            </a:r>
+            <a:r>
+              <a:rPr lang="en-US" sz="5200" dirty="0" err="1" smtClean="0"/>
+              <a:t>.ID</a:t>
+            </a:r>
+            <a:r>
+              <a:rPr lang="en-US" sz="5200" dirty="0" smtClean="0"/>
+              <a:t>)</a:t>
+            </a:r>
+            <a:r>
+              <a:rPr lang="en-US" sz="5200" dirty="0"/>
+              <a:t>+</a:t>
             </a:r>
             <a:r>
               <a:rPr lang="en-US" sz="5200" dirty="0" smtClean="0"/>
@@ -38306,7 +38552,7 @@
             </a:r>
             <a:r>
               <a:rPr lang="en-US" sz="5200" dirty="0" err="1" smtClean="0"/>
-              <a:t>VisitNumber|</a:t>
+              <a:t>Visit|</a:t>
             </a:r>
             <a:r>
               <a:rPr lang="en-US" sz="5200" dirty="0" err="1"/>
@@ -38530,133 +38776,71 @@
         <p:spPr/>
         <p:txBody>
           <a:bodyPr>
-            <a:normAutofit fontScale="92500" lnSpcReduction="10000"/>
+            <a:normAutofit/>
           </a:bodyPr>
           <a:lstStyle/>
           <a:p>
             <a:r>
+              <a:rPr lang="en-US" dirty="0" smtClean="0"/>
+              <a:t>Library(</a:t>
+            </a:r>
+            <a:r>
+              <a:rPr lang="en-US" dirty="0" err="1" smtClean="0"/>
+              <a:t>lmerTest</a:t>
+            </a:r>
+            <a:r>
+              <a:rPr lang="en-US" dirty="0" smtClean="0"/>
+              <a:t>)</a:t>
+            </a:r>
+          </a:p>
+          <a:p>
+            <a:r>
+              <a:rPr lang="en-US" dirty="0" smtClean="0"/>
+              <a:t>Then run your model</a:t>
+            </a:r>
+            <a:endParaRPr lang="en-US" dirty="0" smtClean="0"/>
+          </a:p>
+          <a:p>
+            <a:endParaRPr lang="en-US" dirty="0"/>
+          </a:p>
+          <a:p>
+            <a:r>
+              <a:rPr lang="en-US" dirty="0" smtClean="0"/>
+              <a:t>library(</a:t>
+            </a:r>
+            <a:r>
+              <a:rPr lang="en-US" dirty="0" err="1" smtClean="0"/>
+              <a:t>MuMIn</a:t>
+            </a:r>
+            <a:r>
+              <a:rPr lang="en-US" dirty="0" smtClean="0"/>
+              <a:t>)  </a:t>
+            </a:r>
+          </a:p>
+          <a:p>
+            <a:r>
+              <a:rPr lang="en-US" dirty="0" smtClean="0"/>
+              <a:t>R2</a:t>
+            </a:r>
+            <a:r>
+              <a:rPr lang="en-US" dirty="0"/>
+              <a:t>=</a:t>
+            </a:r>
+            <a:r>
               <a:rPr lang="en-US" dirty="0" err="1"/>
-              <a:t>coefs</a:t>
-            </a:r>
-            <a:r>
-              <a:rPr lang="en-US" dirty="0"/>
-              <a:t> = </a:t>
-            </a:r>
-            <a:r>
-              <a:rPr lang="en-US" dirty="0" err="1"/>
-              <a:t>data.frame</a:t>
-            </a:r>
-            <a:r>
-              <a:rPr lang="en-US" dirty="0"/>
-              <a:t>(</a:t>
-            </a:r>
-            <a:r>
-              <a:rPr lang="en-US" dirty="0" err="1"/>
-              <a:t>coef</a:t>
-            </a:r>
-            <a:r>
-              <a:rPr lang="en-US" dirty="0"/>
-              <a:t>(summary</a:t>
+              <a:t>r.squaredGLMM</a:t>
             </a:r>
             <a:r>
               <a:rPr lang="en-US" dirty="0" smtClean="0"/>
               <a:t>(Model2)</a:t>
             </a:r>
-            <a:r>
-              <a:rPr lang="en-US" dirty="0"/>
-              <a:t>)) </a:t>
-            </a:r>
+          </a:p>
+          <a:p>
+            <a:endParaRPr lang="en-US" dirty="0"/>
           </a:p>
           <a:p>
             <a:r>
               <a:rPr lang="en-US" dirty="0" err="1" smtClean="0"/>
-              <a:t>coefs</a:t>
-            </a:r>
-            <a:r>
-              <a:rPr lang="en-US" dirty="0" err="1"/>
-              <a:t>$p</a:t>
-            </a:r>
-            <a:r>
-              <a:rPr lang="en-US" dirty="0"/>
-              <a:t> = </a:t>
-            </a:r>
-            <a:r>
-              <a:rPr lang="en-US" dirty="0" err="1"/>
-              <a:t>format.pval</a:t>
-            </a:r>
-            <a:r>
-              <a:rPr lang="en-US" dirty="0"/>
-              <a:t>(2*(1-pnorm(abs(</a:t>
-            </a:r>
-            <a:r>
-              <a:rPr lang="en-US" dirty="0" err="1"/>
-              <a:t>coefs$t.value</a:t>
-            </a:r>
-            <a:r>
-              <a:rPr lang="en-US" dirty="0"/>
-              <a:t>))), digits=2, </a:t>
-            </a:r>
-            <a:r>
-              <a:rPr lang="en-US" dirty="0" err="1"/>
-              <a:t>eps</a:t>
-            </a:r>
-            <a:r>
-              <a:rPr lang="en-US" dirty="0"/>
-              <a:t>=0.0001</a:t>
-            </a:r>
-            <a:r>
-              <a:rPr lang="en-US" dirty="0" smtClean="0"/>
-              <a:t>)</a:t>
-            </a:r>
-          </a:p>
-          <a:p>
-            <a:r>
-              <a:rPr lang="en-US" dirty="0" err="1" smtClean="0"/>
-              <a:t>coefs</a:t>
-            </a:r>
-            <a:endParaRPr lang="en-US" dirty="0" smtClean="0"/>
-          </a:p>
-          <a:p>
-            <a:endParaRPr lang="en-US" dirty="0"/>
-          </a:p>
-          <a:p>
-            <a:r>
-              <a:rPr lang="en-US" dirty="0" smtClean="0"/>
-              <a:t>library(</a:t>
-            </a:r>
-            <a:r>
-              <a:rPr lang="en-US" dirty="0" err="1" smtClean="0"/>
-              <a:t>MuMIn</a:t>
-            </a:r>
-            <a:r>
-              <a:rPr lang="en-US" dirty="0" smtClean="0"/>
-              <a:t>)  </a:t>
-            </a:r>
-          </a:p>
-          <a:p>
-            <a:r>
-              <a:rPr lang="en-US" dirty="0" smtClean="0"/>
-              <a:t>R2</a:t>
-            </a:r>
-            <a:r>
-              <a:rPr lang="en-US" dirty="0"/>
-              <a:t>=</a:t>
-            </a:r>
-            <a:r>
-              <a:rPr lang="en-US" dirty="0" err="1"/>
-              <a:t>r.squaredGLMM</a:t>
-            </a:r>
-            <a:r>
-              <a:rPr lang="en-US" dirty="0" smtClean="0"/>
-              <a:t>(Model2)</a:t>
-            </a:r>
-          </a:p>
-          <a:p>
-            <a:endParaRPr lang="en-US" dirty="0"/>
-          </a:p>
-          <a:p>
-            <a:r>
-              <a:rPr lang="en-US" smtClean="0"/>
               <a:t>coef</a:t>
             </a:r>
             <a:r>

--- a/Day5/Lecture 5.pptx
+++ b/Day5/Lecture 5.pptx
@@ -282,7 +282,7 @@
           <a:p>
             <a:fld id="{902884EE-D56A-B042-86E2-8C6529B1FB30}" type="datetimeFigureOut">
               <a:rPr lang="en-US" smtClean="0"/>
-              <a:t>5/29/16</a:t>
+              <a:t>6/2/16</a:t>
             </a:fld>
             <a:endParaRPr lang="en-US"/>
           </a:p>
@@ -2334,39 +2334,7 @@
           <a:bodyPr/>
           <a:lstStyle/>
           <a:p>
-            <a:r>
-              <a:rPr lang="en-US" dirty="0" smtClean="0"/>
-              <a:t>white board: (1+TrialOrder|Subject)</a:t>
-            </a:r>
-          </a:p>
-          <a:p>
-            <a:r>
-              <a:rPr lang="en-US" dirty="0" smtClean="0"/>
-              <a:t>(1+TrialOrder|Subject)</a:t>
-            </a:r>
-          </a:p>
-          <a:p>
-            <a:pPr marL="0" marR="0" indent="0" algn="l" defTabSz="457200" rtl="0" eaLnBrk="1" fontAlgn="auto" latinLnBrk="0" hangingPunct="1">
-              <a:lnSpc>
-                <a:spcPct val="100000"/>
-              </a:lnSpc>
-              <a:spcBef>
-                <a:spcPts val="0"/>
-              </a:spcBef>
-              <a:spcAft>
-                <a:spcPts val="0"/>
-              </a:spcAft>
-              <a:buClrTx/>
-              <a:buSzTx/>
-              <a:buFontTx/>
-              <a:buNone/>
-              <a:tabLst/>
-              <a:defRPr/>
-            </a:pPr>
-            <a:r>
-              <a:rPr lang="en-US" dirty="0" smtClean="0"/>
-              <a:t>(1+FocusCondition|Subject)</a:t>
-            </a:r>
+            <a:endParaRPr lang="en-US" dirty="0" smtClean="0"/>
           </a:p>
         </p:txBody>
       </p:sp>
@@ -3231,7 +3199,7 @@
           <a:p>
             <a:fld id="{6716CB46-FF92-4440-A4A0-4E0ECD9E96D8}" type="datetimeFigureOut">
               <a:rPr lang="en-US" smtClean="0"/>
-              <a:t>5/29/16</a:t>
+              <a:t>6/2/16</a:t>
             </a:fld>
             <a:endParaRPr lang="en-US"/>
           </a:p>
@@ -3401,7 +3369,7 @@
           <a:p>
             <a:fld id="{6716CB46-FF92-4440-A4A0-4E0ECD9E96D8}" type="datetimeFigureOut">
               <a:rPr lang="en-US" smtClean="0"/>
-              <a:t>5/29/16</a:t>
+              <a:t>6/2/16</a:t>
             </a:fld>
             <a:endParaRPr lang="en-US"/>
           </a:p>
@@ -3581,7 +3549,7 @@
           <a:p>
             <a:fld id="{6716CB46-FF92-4440-A4A0-4E0ECD9E96D8}" type="datetimeFigureOut">
               <a:rPr lang="en-US" smtClean="0"/>
-              <a:t>5/29/16</a:t>
+              <a:t>6/2/16</a:t>
             </a:fld>
             <a:endParaRPr lang="en-US"/>
           </a:p>
@@ -4188,7 +4156,7 @@
           <a:p>
             <a:fld id="{6716CB46-FF92-4440-A4A0-4E0ECD9E96D8}" type="datetimeFigureOut">
               <a:rPr lang="en-US" smtClean="0"/>
-              <a:t>5/29/16</a:t>
+              <a:t>6/2/16</a:t>
             </a:fld>
             <a:endParaRPr lang="en-US"/>
           </a:p>
@@ -4434,7 +4402,7 @@
           <a:p>
             <a:fld id="{6716CB46-FF92-4440-A4A0-4E0ECD9E96D8}" type="datetimeFigureOut">
               <a:rPr lang="en-US" smtClean="0"/>
-              <a:t>5/29/16</a:t>
+              <a:t>6/2/16</a:t>
             </a:fld>
             <a:endParaRPr lang="en-US"/>
           </a:p>
@@ -4722,7 +4690,7 @@
           <a:p>
             <a:fld id="{6716CB46-FF92-4440-A4A0-4E0ECD9E96D8}" type="datetimeFigureOut">
               <a:rPr lang="en-US" smtClean="0"/>
-              <a:t>5/29/16</a:t>
+              <a:t>6/2/16</a:t>
             </a:fld>
             <a:endParaRPr lang="en-US"/>
           </a:p>
@@ -5144,7 +5112,7 @@
           <a:p>
             <a:fld id="{6716CB46-FF92-4440-A4A0-4E0ECD9E96D8}" type="datetimeFigureOut">
               <a:rPr lang="en-US" smtClean="0"/>
-              <a:t>5/29/16</a:t>
+              <a:t>6/2/16</a:t>
             </a:fld>
             <a:endParaRPr lang="en-US"/>
           </a:p>
@@ -5262,7 +5230,7 @@
           <a:p>
             <a:fld id="{6716CB46-FF92-4440-A4A0-4E0ECD9E96D8}" type="datetimeFigureOut">
               <a:rPr lang="en-US" smtClean="0"/>
-              <a:t>5/29/16</a:t>
+              <a:t>6/2/16</a:t>
             </a:fld>
             <a:endParaRPr lang="en-US"/>
           </a:p>
@@ -5357,7 +5325,7 @@
           <a:p>
             <a:fld id="{6716CB46-FF92-4440-A4A0-4E0ECD9E96D8}" type="datetimeFigureOut">
               <a:rPr lang="en-US" smtClean="0"/>
-              <a:t>5/29/16</a:t>
+              <a:t>6/2/16</a:t>
             </a:fld>
             <a:endParaRPr lang="en-US"/>
           </a:p>
@@ -5634,7 +5602,7 @@
           <a:p>
             <a:fld id="{6716CB46-FF92-4440-A4A0-4E0ECD9E96D8}" type="datetimeFigureOut">
               <a:rPr lang="en-US" smtClean="0"/>
-              <a:t>5/29/16</a:t>
+              <a:t>6/2/16</a:t>
             </a:fld>
             <a:endParaRPr lang="en-US"/>
           </a:p>
@@ -5887,7 +5855,7 @@
           <a:p>
             <a:fld id="{6716CB46-FF92-4440-A4A0-4E0ECD9E96D8}" type="datetimeFigureOut">
               <a:rPr lang="en-US" smtClean="0"/>
-              <a:t>5/29/16</a:t>
+              <a:t>6/2/16</a:t>
             </a:fld>
             <a:endParaRPr lang="en-US"/>
           </a:p>
@@ -6100,7 +6068,7 @@
           <a:p>
             <a:fld id="{6716CB46-FF92-4440-A4A0-4E0ECD9E96D8}" type="datetimeFigureOut">
               <a:rPr lang="en-US" smtClean="0"/>
-              <a:t>5/29/16</a:t>
+              <a:t>6/2/16</a:t>
             </a:fld>
             <a:endParaRPr lang="en-US"/>
           </a:p>
@@ -8478,11 +8446,7 @@
           <a:p>
             <a:r>
               <a:rPr lang="en-US" dirty="0" err="1" smtClean="0"/>
-              <a:t>Data$</a:t>
-            </a:r>
-            <a:r>
-              <a:rPr lang="en-US" dirty="0" err="1" smtClean="0"/>
-              <a:t>Visit</a:t>
+              <a:t>Data$Visit</a:t>
             </a:r>
             <a:r>
               <a:rPr lang="en-US" dirty="0" smtClean="0"/>
@@ -8498,17 +8462,12 @@
             </a:r>
             <a:r>
               <a:rPr lang="en-US" dirty="0" err="1" smtClean="0"/>
-              <a:t>Data$</a:t>
-            </a:r>
-            <a:r>
-              <a:rPr lang="en-US" dirty="0" err="1" smtClean="0"/>
-              <a:t>Visit</a:t>
+              <a:t>Data$Visit</a:t>
             </a:r>
             <a:r>
               <a:rPr lang="en-US" dirty="0" smtClean="0"/>
               <a:t>)</a:t>
             </a:r>
-            <a:endParaRPr lang="en-US" dirty="0" smtClean="0"/>
           </a:p>
           <a:p>
             <a:r>
@@ -8525,11 +8484,7 @@
             </a:r>
             <a:r>
               <a:rPr lang="en-US" dirty="0" err="1" smtClean="0"/>
-              <a:t>Visit,</a:t>
-            </a:r>
-            <a:r>
-              <a:rPr lang="en-US" dirty="0" err="1" smtClean="0"/>
-              <a:t>Data</a:t>
+              <a:t>Visit,Data</a:t>
             </a:r>
             <a:r>
               <a:rPr lang="en-US" dirty="0" smtClean="0"/>
@@ -8754,21 +8709,13 @@
             </a:r>
             <a:r>
               <a:rPr lang="en-US" dirty="0" smtClean="0"/>
-              <a:t>Visit^</a:t>
-            </a:r>
-            <a:r>
-              <a:rPr lang="en-US" dirty="0" smtClean="0"/>
-              <a:t>3</a:t>
+              <a:t>Visit^3</a:t>
             </a:r>
           </a:p>
           <a:p>
             <a:r>
               <a:rPr lang="en-US" dirty="0"/>
-              <a:t>Model1=lm</a:t>
-            </a:r>
-            <a:r>
-              <a:rPr lang="en-US" dirty="0"/>
-              <a:t>(</a:t>
+              <a:t>Model1=lm(</a:t>
             </a:r>
             <a:r>
               <a:rPr lang="en-US" dirty="0" err="1"/>
@@ -8794,7 +8741,25 @@
             </a:r>
             <a:r>
               <a:rPr lang="en-US" dirty="0"/>
-              <a:t>=lm</a:t>
+              <a:t>=lm(UniqueWordsChild~</a:t>
+            </a:r>
+            <a:r>
+              <a:rPr lang="en-US" dirty="0" smtClean="0"/>
+              <a:t>Visit+Visit2</a:t>
+            </a:r>
+            <a:r>
+              <a:rPr lang="en-US" dirty="0"/>
+              <a:t>,Data</a:t>
+            </a:r>
+            <a:r>
+              <a:rPr lang="en-US" dirty="0" smtClean="0"/>
+              <a:t>)</a:t>
+            </a:r>
+          </a:p>
+          <a:p>
+            <a:r>
+              <a:rPr lang="en-US" dirty="0" smtClean="0"/>
+              <a:t>Model3=lm</a:t>
             </a:r>
             <a:r>
               <a:rPr lang="en-US" dirty="0"/>
@@ -8802,41 +8767,7 @@
             </a:r>
             <a:r>
               <a:rPr lang="en-US" dirty="0" smtClean="0"/>
-              <a:t>Visit+Visit2</a:t>
-            </a:r>
-            <a:r>
-              <a:rPr lang="en-US" dirty="0"/>
-              <a:t>,Data</a:t>
-            </a:r>
-            <a:r>
-              <a:rPr lang="en-US" dirty="0" smtClean="0"/>
-              <a:t>)</a:t>
-            </a:r>
-          </a:p>
-          <a:p>
-            <a:r>
-              <a:rPr lang="en-US" dirty="0" smtClean="0"/>
-              <a:t>Model3=lm</a:t>
-            </a:r>
-            <a:r>
-              <a:rPr lang="en-US" dirty="0"/>
-              <a:t>(UniqueWordsChild~</a:t>
-            </a:r>
-            <a:r>
-              <a:rPr lang="en-US" dirty="0" smtClean="0"/>
-              <a:t>Visit+Visit2</a:t>
-            </a:r>
-            <a:r>
-              <a:rPr lang="en-US" dirty="0" smtClean="0"/>
-              <a:t>+</a:t>
-            </a:r>
-            <a:r>
-              <a:rPr lang="en-US" dirty="0" smtClean="0"/>
-              <a:t>Visit3</a:t>
-            </a:r>
-            <a:r>
-              <a:rPr lang="en-US" dirty="0" smtClean="0"/>
-              <a:t>,</a:t>
+              <a:t>Visit+Visit2+Visit3,</a:t>
             </a:r>
             <a:r>
               <a:rPr lang="en-US" dirty="0"/>
@@ -10785,15 +10716,7 @@
           <a:p>
             <a:r>
               <a:rPr lang="en-US" dirty="0" smtClean="0"/>
-              <a:t>Is number of </a:t>
-            </a:r>
-            <a:r>
-              <a:rPr lang="en-US" dirty="0" smtClean="0"/>
-              <a:t>unique words </a:t>
-            </a:r>
-            <a:r>
-              <a:rPr lang="en-US" dirty="0" smtClean="0"/>
-              <a:t>at visit 6 a good predictor of autism?</a:t>
+              <a:t>Is number of unique words at visit 6 a good predictor of autism?</a:t>
             </a:r>
             <a:endParaRPr lang="en-US" dirty="0"/>
           </a:p>
@@ -10871,19 +10794,11 @@
             </a:r>
             <a:r>
               <a:rPr lang="en-US" dirty="0" err="1" smtClean="0"/>
-              <a:t>Data$</a:t>
-            </a:r>
-            <a:r>
-              <a:rPr lang="en-US" dirty="0" err="1" smtClean="0"/>
-              <a:t>Visit</a:t>
+              <a:t>Data$Visit</a:t>
             </a:r>
             <a:r>
               <a:rPr lang="en-US" dirty="0" smtClean="0"/>
-              <a:t>=</a:t>
-            </a:r>
-            <a:r>
-              <a:rPr lang="en-US" dirty="0" smtClean="0"/>
-              <a:t>=6,]</a:t>
+              <a:t>==6,]</a:t>
             </a:r>
           </a:p>
           <a:p>
@@ -11323,24 +11238,29 @@
               <a:rPr lang="en-US" dirty="0" smtClean="0"/>
               <a:t>.</a:t>
             </a:r>
+            <a:endParaRPr lang="en-US" dirty="0" smtClean="0"/>
+          </a:p>
+          <a:p>
+            <a:pPr lvl="1"/>
+            <a:r>
+              <a:rPr lang="en-US" dirty="0" smtClean="0"/>
+              <a:t>Logistic Regression</a:t>
+            </a:r>
+          </a:p>
+          <a:p>
+            <a:pPr lvl="1"/>
+            <a:r>
+              <a:rPr lang="en-US" dirty="0" smtClean="0"/>
+              <a:t>Poisson </a:t>
+            </a:r>
+            <a:r>
+              <a:rPr lang="en-US" dirty="0" smtClean="0"/>
+              <a:t>Regression</a:t>
+            </a:r>
           </a:p>
           <a:p>
             <a:pPr lvl="1"/>
             <a:endParaRPr lang="en-US" dirty="0" smtClean="0"/>
-          </a:p>
-          <a:p>
-            <a:pPr lvl="1"/>
-            <a:r>
-              <a:rPr lang="en-US" dirty="0" smtClean="0"/>
-              <a:t>Logistic Regression</a:t>
-            </a:r>
-          </a:p>
-          <a:p>
-            <a:pPr lvl="1"/>
-            <a:r>
-              <a:rPr lang="en-US" dirty="0" smtClean="0"/>
-              <a:t>Poisson Regression</a:t>
-            </a:r>
           </a:p>
           <a:p>
             <a:r>
@@ -11503,7 +11423,7 @@
                                         <p:tgtEl>
                                           <p:spTgt spid="3">
                                             <p:txEl>
-                                              <p:pRg st="3" end="3"/>
+                                              <p:pRg st="2" end="2"/>
                                             </p:txEl>
                                           </p:spTgt>
                                         </p:tgtEl>
@@ -11534,7 +11454,7 @@
                                         <p:tgtEl>
                                           <p:spTgt spid="3">
                                             <p:txEl>
-                                              <p:pRg st="4" end="4"/>
+                                              <p:pRg st="3" end="3"/>
                                             </p:txEl>
                                           </p:spTgt>
                                         </p:tgtEl>
@@ -11802,12 +11722,16 @@
               <a:t>aes</a:t>
             </a:r>
             <a:r>
-              <a:rPr lang="en-US" dirty="0"/>
+              <a:rPr lang="en-US" dirty="0" smtClean="0"/>
               <a:t>(</a:t>
             </a:r>
             <a:r>
+              <a:rPr lang="en-US" dirty="0" err="1" smtClean="0"/>
+              <a:t>UniqueWordsChild,</a:t>
+            </a:r>
+            <a:r>
               <a:rPr lang="en-US" dirty="0" err="1"/>
-              <a:t>TypesKid,ASD</a:t>
+              <a:t>ASD</a:t>
             </a:r>
             <a:r>
               <a:rPr lang="en-US" dirty="0"/>
@@ -12319,7 +12243,7 @@
           <a:graphicData uri="http://schemas.openxmlformats.org/presentationml/2006/ole">
             <mc:AlternateContent xmlns:mc="http://schemas.openxmlformats.org/markup-compatibility/2006">
               <mc:Choice xmlns:v="urn:schemas-microsoft-com:vml" Requires="v">
-                <p:oleObj spid="_x0000_s2511" name="Equation" r:id="rId3" imgW="114300" imgH="165100" progId="Equation.3">
+                <p:oleObj spid="_x0000_s2528" name="Equation" r:id="rId3" imgW="114300" imgH="165100" progId="Equation.3">
                   <p:embed/>
                 </p:oleObj>
               </mc:Choice>
@@ -12376,7 +12300,7 @@
           <a:graphicData uri="http://schemas.openxmlformats.org/presentationml/2006/ole">
             <mc:AlternateContent xmlns:mc="http://schemas.openxmlformats.org/markup-compatibility/2006">
               <mc:Choice xmlns:v="urn:schemas-microsoft-com:vml" Requires="v">
-                <p:oleObj spid="_x0000_s2512" name="Equation" r:id="rId5" imgW="863600" imgH="457200" progId="Equation.3">
+                <p:oleObj spid="_x0000_s2529" name="Equation" r:id="rId5" imgW="863600" imgH="457200" progId="Equation.3">
                   <p:embed/>
                 </p:oleObj>
               </mc:Choice>
@@ -12561,17 +12485,7 @@
                 <a:latin typeface="Courier"/>
                 <a:cs typeface="Courier"/>
               </a:rPr>
-              <a:t>Data$</a:t>
-            </a:r>
-            <a:r>
-              <a:rPr lang="en-US" b="1" dirty="0" err="1" smtClean="0">
-                <a:solidFill>
-                  <a:srgbClr val="1F497D"/>
-                </a:solidFill>
-                <a:latin typeface="Courier"/>
-                <a:cs typeface="Courier"/>
-              </a:rPr>
-              <a:t>Visit</a:t>
+              <a:t>Data$Visit</a:t>
             </a:r>
             <a:r>
               <a:rPr lang="en-US" b="1" dirty="0" smtClean="0">
@@ -12581,17 +12495,7 @@
                 <a:latin typeface="Courier"/>
                 <a:cs typeface="Courier"/>
               </a:rPr>
-              <a:t>=</a:t>
-            </a:r>
-            <a:r>
-              <a:rPr lang="en-US" b="1" dirty="0" smtClean="0">
-                <a:solidFill>
-                  <a:srgbClr val="1F497D"/>
-                </a:solidFill>
-                <a:latin typeface="Courier"/>
-                <a:cs typeface="Courier"/>
-              </a:rPr>
-              <a:t>=6,]</a:t>
+              <a:t>==6,]</a:t>
             </a:r>
           </a:p>
           <a:p>
@@ -12632,13 +12536,6 @@
               </a:rPr>
               <a:t>,</a:t>
             </a:r>
-            <a:endParaRPr lang="en-US" b="1" dirty="0" smtClean="0">
-              <a:solidFill>
-                <a:srgbClr val="1F497D"/>
-              </a:solidFill>
-              <a:latin typeface="Courier"/>
-              <a:cs typeface="Courier"/>
-            </a:endParaRPr>
           </a:p>
           <a:p>
             <a:pPr marL="0" indent="0">
@@ -12872,7 +12769,7 @@
         <p:spPr>
           <a:xfrm>
             <a:off x="1771949" y="5065505"/>
-            <a:ext cx="6914851" cy="1015663"/>
+            <a:ext cx="6914851" cy="1477328"/>
           </a:xfrm>
           <a:prstGeom prst="rect">
             <a:avLst/>
@@ -12891,11 +12788,15 @@
             </a:r>
             <a:r>
               <a:rPr lang="en-US" sz="3000" b="1" dirty="0" err="1" smtClean="0"/>
-              <a:t>TypesKid</a:t>
+              <a:t>UniqueWordsChild</a:t>
             </a:r>
             <a:r>
               <a:rPr lang="en-US" sz="3000" b="1" dirty="0" smtClean="0"/>
-              <a:t> = 0</a:t>
+              <a:t> </a:t>
+            </a:r>
+            <a:r>
+              <a:rPr lang="en-US" sz="3000" b="1" dirty="0" smtClean="0"/>
+              <a:t>= 0</a:t>
             </a:r>
           </a:p>
           <a:p>
@@ -13436,11 +13337,7 @@
             </a:r>
             <a:r>
               <a:rPr lang="en-US" sz="3000" b="1" dirty="0" smtClean="0"/>
-              <a:t> </a:t>
-            </a:r>
-            <a:r>
-              <a:rPr lang="en-US" sz="3000" b="1" dirty="0" smtClean="0"/>
-              <a:t>by 1, how much the log odds decrease (= the slope)</a:t>
+              <a:t> by 1, how much the log odds decrease (= the slope)</a:t>
             </a:r>
             <a:endParaRPr lang="en-US" sz="3000" b="1" dirty="0"/>
           </a:p>
@@ -15897,7 +15794,7 @@
           <a:graphicData uri="http://schemas.openxmlformats.org/presentationml/2006/ole">
             <mc:AlternateContent xmlns:mc="http://schemas.openxmlformats.org/markup-compatibility/2006">
               <mc:Choice xmlns:v="urn:schemas-microsoft-com:vml" Requires="v">
-                <p:oleObj spid="_x0000_s3535" name="Equation" r:id="rId3" imgW="520700" imgH="431800" progId="Equation.3">
+                <p:oleObj spid="_x0000_s3552" name="Equation" r:id="rId3" imgW="520700" imgH="431800" progId="Equation.3">
                   <p:embed/>
                 </p:oleObj>
               </mc:Choice>
@@ -15984,7 +15881,7 @@
           <a:graphicData uri="http://schemas.openxmlformats.org/presentationml/2006/ole">
             <mc:AlternateContent xmlns:mc="http://schemas.openxmlformats.org/markup-compatibility/2006">
               <mc:Choice xmlns:v="urn:schemas-microsoft-com:vml" Requires="v">
-                <p:oleObj spid="_x0000_s3536" name="Equation" r:id="rId5" imgW="520700" imgH="431800" progId="Equation.3">
+                <p:oleObj spid="_x0000_s3553" name="Equation" r:id="rId5" imgW="520700" imgH="431800" progId="Equation.3">
                   <p:embed/>
                 </p:oleObj>
               </mc:Choice>
@@ -16999,7 +16896,7 @@
         <p:spPr>
           <a:xfrm>
             <a:off x="2171700" y="4543416"/>
-            <a:ext cx="4978400" cy="1938992"/>
+            <a:ext cx="4978400" cy="2400657"/>
           </a:xfrm>
           <a:prstGeom prst="rect">
             <a:avLst/>
@@ -17019,11 +16916,15 @@
             </a:r>
             <a:r>
               <a:rPr lang="en-US" sz="3000" b="1" dirty="0" err="1" smtClean="0"/>
-              <a:t>TypesKid</a:t>
+              <a:t>UniqueWordsChild</a:t>
             </a:r>
             <a:r>
               <a:rPr lang="en-US" sz="3000" b="1" dirty="0" smtClean="0"/>
-              <a:t> by 1, the odds of observing case shrinks, though slowly</a:t>
+              <a:t> </a:t>
+            </a:r>
+            <a:r>
+              <a:rPr lang="en-US" sz="3000" b="1" dirty="0" smtClean="0"/>
+              <a:t>by 1, the odds of observing case shrinks, though slowly</a:t>
             </a:r>
             <a:endParaRPr lang="en-US" sz="3000" b="1" dirty="0"/>
           </a:p>
@@ -17051,7 +16952,7 @@
           <a:graphicData uri="http://schemas.openxmlformats.org/presentationml/2006/ole">
             <mc:AlternateContent xmlns:mc="http://schemas.openxmlformats.org/markup-compatibility/2006">
               <mc:Choice xmlns:v="urn:schemas-microsoft-com:vml" Requires="v">
-                <p:oleObj spid="_x0000_s4331" name="Equation" r:id="rId3" imgW="165100" imgH="203200" progId="Equation.3">
+                <p:oleObj spid="_x0000_s4340" name="Equation" r:id="rId3" imgW="165100" imgH="203200" progId="Equation.3">
                   <p:embed/>
                 </p:oleObj>
               </mc:Choice>
@@ -17547,7 +17448,7 @@
         <p:spPr>
           <a:xfrm>
             <a:off x="3508375" y="5641201"/>
-            <a:ext cx="2774950" cy="1015663"/>
+            <a:ext cx="2774950" cy="553998"/>
           </a:xfrm>
           <a:prstGeom prst="rect">
             <a:avLst/>
@@ -17559,17 +17460,6 @@
             <a:spAutoFit/>
           </a:bodyPr>
           <a:lstStyle/>
-          <a:p>
-            <a:pPr algn="ctr"/>
-            <a:r>
-              <a:rPr lang="en-US" sz="3000" b="1" dirty="0" err="1" smtClean="0"/>
-              <a:t>inv.logit</a:t>
-            </a:r>
-            <a:r>
-              <a:rPr lang="en-US" sz="3000" b="1" dirty="0" smtClean="0"/>
-              <a:t>(1.99)</a:t>
-            </a:r>
-          </a:p>
           <a:p>
             <a:pPr algn="ctr"/>
             <a:r>
@@ -17699,7 +17589,7 @@
         <p:spPr>
           <a:xfrm>
             <a:off x="6816725" y="5283464"/>
-            <a:ext cx="2438400" cy="1661994"/>
+            <a:ext cx="2438400" cy="1292662"/>
           </a:xfrm>
           <a:prstGeom prst="rect">
             <a:avLst/>
@@ -17722,15 +17612,11 @@
             <a:pPr algn="ctr"/>
             <a:r>
               <a:rPr lang="en-US" sz="2400" b="1" dirty="0" smtClean="0"/>
-              <a:t>0.87974</a:t>
-            </a:r>
-            <a:endParaRPr lang="en-US" sz="2400" b="1" dirty="0"/>
-          </a:p>
-          <a:p>
-            <a:pPr algn="ctr"/>
+              <a:t>0.49675 </a:t>
+            </a:r>
             <a:r>
               <a:rPr lang="en-US" sz="2400" b="1" dirty="0" smtClean="0"/>
-              <a:t>0.49675 (aka 0.00325)</a:t>
+              <a:t>(aka 0.00325)</a:t>
             </a:r>
             <a:endParaRPr lang="en-US" sz="2400" b="1" dirty="0"/>
           </a:p>
@@ -18520,7 +18406,7 @@
           <a:graphicData uri="http://schemas.openxmlformats.org/presentationml/2006/ole">
             <mc:AlternateContent xmlns:mc="http://schemas.openxmlformats.org/markup-compatibility/2006">
               <mc:Choice xmlns:v="urn:schemas-microsoft-com:vml" Requires="v">
-                <p:oleObj spid="_x0000_s5583" name="Equation" r:id="rId3" imgW="863600" imgH="457200" progId="Equation.3">
+                <p:oleObj spid="_x0000_s5600" name="Equation" r:id="rId3" imgW="863600" imgH="457200" progId="Equation.3">
                   <p:embed/>
                 </p:oleObj>
               </mc:Choice>
@@ -18631,7 +18517,7 @@
           <a:graphicData uri="http://schemas.openxmlformats.org/presentationml/2006/ole">
             <mc:AlternateContent xmlns:mc="http://schemas.openxmlformats.org/markup-compatibility/2006">
               <mc:Choice xmlns:v="urn:schemas-microsoft-com:vml" Requires="v">
-                <p:oleObj spid="_x0000_s5584" name="Equation" r:id="rId5" imgW="381000" imgH="406400" progId="Equation.3">
+                <p:oleObj spid="_x0000_s5601" name="Equation" r:id="rId5" imgW="381000" imgH="406400" progId="Equation.3">
                   <p:embed/>
                 </p:oleObj>
               </mc:Choice>
@@ -20888,7 +20774,7 @@
           <a:graphicData uri="http://schemas.openxmlformats.org/presentationml/2006/ole">
             <mc:AlternateContent xmlns:mc="http://schemas.openxmlformats.org/markup-compatibility/2006">
               <mc:Choice xmlns:v="urn:schemas-microsoft-com:vml" Requires="v">
-                <p:oleObj spid="_x0000_s9679" name="Equation" r:id="rId4" imgW="165100" imgH="203200" progId="Equation.3">
+                <p:oleObj spid="_x0000_s9696" name="Equation" r:id="rId4" imgW="165100" imgH="203200" progId="Equation.3">
                   <p:embed/>
                 </p:oleObj>
               </mc:Choice>
@@ -21210,7 +21096,7 @@
           <a:graphicData uri="http://schemas.openxmlformats.org/presentationml/2006/ole">
             <mc:AlternateContent xmlns:mc="http://schemas.openxmlformats.org/markup-compatibility/2006">
               <mc:Choice xmlns:v="urn:schemas-microsoft-com:vml" Requires="v">
-                <p:oleObj spid="_x0000_s9680" name="Equation" r:id="rId6" imgW="165100" imgH="203200" progId="Equation.3">
+                <p:oleObj spid="_x0000_s9697" name="Equation" r:id="rId6" imgW="165100" imgH="203200" progId="Equation.3">
                   <p:embed/>
                 </p:oleObj>
               </mc:Choice>
@@ -23467,11 +23353,7 @@
             <a:pPr algn="ctr"/>
             <a:r>
               <a:rPr lang="en-US" sz="3600" b="1" dirty="0" smtClean="0"/>
-              <a:t>Non-continuous </a:t>
-            </a:r>
-            <a:r>
-              <a:rPr lang="en-US" sz="3600" b="1" dirty="0" smtClean="0"/>
-              <a:t>Data</a:t>
+              <a:t>Non-continuous Data</a:t>
             </a:r>
             <a:endParaRPr lang="en-US" sz="3600" b="1" dirty="0"/>
           </a:p>
@@ -31600,11 +31482,7 @@
           <a:p>
             <a:r>
               <a:rPr lang="en-US" dirty="0"/>
-              <a:t>Download </a:t>
-            </a:r>
-            <a:r>
-              <a:rPr lang="en-US" dirty="0"/>
-              <a:t>https://</a:t>
+              <a:t>Download https://</a:t>
             </a:r>
             <a:r>
               <a:rPr lang="en-US" dirty="0" err="1"/>
@@ -31629,14 +31507,12 @@
               <a:rPr lang="en-US" dirty="0" smtClean="0"/>
               <a:t>Put it in your working folder</a:t>
             </a:r>
-            <a:endParaRPr lang="en-US" dirty="0" smtClean="0"/>
           </a:p>
           <a:p>
             <a:r>
               <a:rPr lang="en-US" dirty="0" smtClean="0"/>
               <a:t>Load it</a:t>
             </a:r>
-            <a:endParaRPr lang="en-US" dirty="0" smtClean="0"/>
           </a:p>
           <a:p>
             <a:r>
@@ -33995,15 +33871,7 @@
                   <a:srgbClr val="000000"/>
                 </a:solidFill>
               </a:rPr>
-              <a:t>Child </a:t>
-            </a:r>
-            <a:r>
-              <a:rPr lang="en-US" b="1" dirty="0" smtClean="0">
-                <a:solidFill>
-                  <a:srgbClr val="000000"/>
-                </a:solidFill>
-              </a:rPr>
-              <a:t>as a fixed effect?</a:t>
+              <a:t>Child as a fixed effect?</a:t>
             </a:r>
             <a:endParaRPr lang="en-US" b="1" dirty="0">
               <a:solidFill>
@@ -34428,15 +34296,7 @@
                   <a:srgbClr val="000000"/>
                 </a:solidFill>
               </a:rPr>
-              <a:t>Visit </a:t>
-            </a:r>
-            <a:r>
-              <a:rPr lang="en-US" b="1" dirty="0" smtClean="0">
-                <a:solidFill>
-                  <a:srgbClr val="000000"/>
-                </a:solidFill>
-              </a:rPr>
-              <a:t>as a fixed effect?</a:t>
+              <a:t>Visit as a fixed effect?</a:t>
             </a:r>
             <a:endParaRPr lang="en-US" b="1" dirty="0">
               <a:solidFill>
@@ -35111,11 +34971,7 @@
             </a:r>
             <a:r>
               <a:rPr lang="en-US" dirty="0" err="1" smtClean="0"/>
-              <a:t>$Child</a:t>
-            </a:r>
-            <a:r>
-              <a:rPr lang="en-US" dirty="0" err="1" smtClean="0"/>
-              <a:t>.ID</a:t>
+              <a:t>$Child.ID</a:t>
             </a:r>
             <a:r>
               <a:rPr lang="en-US" dirty="0" smtClean="0"/>
@@ -35162,19 +35018,11 @@
             </a:r>
             <a:r>
               <a:rPr lang="en-US" dirty="0"/>
-              <a:t>(x</a:t>
-            </a:r>
-            <a:r>
-              <a:rPr lang="en-US" dirty="0"/>
-              <a:t>=</a:t>
+              <a:t>(x=</a:t>
             </a:r>
             <a:r>
               <a:rPr lang="en-US" dirty="0" err="1"/>
-              <a:t>Child.ID,</a:t>
-            </a:r>
-            <a:r>
-              <a:rPr lang="en-US" dirty="0" err="1"/>
-              <a:t>y</a:t>
+              <a:t>Child.ID,y</a:t>
             </a:r>
             <a:r>
               <a:rPr lang="en-US" dirty="0" smtClean="0"/>
@@ -35477,17 +35325,8 @@
             </a:r>
             <a:r>
               <a:rPr lang="en-US" dirty="0" smtClean="0"/>
-              <a:t> </a:t>
-            </a:r>
-            <a:r>
-              <a:rPr lang="en-US" dirty="0" smtClean="0"/>
-              <a:t>by </a:t>
-            </a:r>
-            <a:r>
-              <a:rPr lang="en-US" dirty="0" smtClean="0"/>
-              <a:t>Visit</a:t>
-            </a:r>
-            <a:endParaRPr lang="en-US" dirty="0" smtClean="0"/>
+              <a:t> by Visit</a:t>
+            </a:r>
           </a:p>
           <a:p>
             <a:r>
@@ -35508,11 +35347,7 @@
             </a:r>
             <a:r>
               <a:rPr lang="en-US" dirty="0" smtClean="0"/>
-              <a:t>(</a:t>
-            </a:r>
-            <a:r>
-              <a:rPr lang="en-US" dirty="0" smtClean="0"/>
-              <a:t>Visit</a:t>
+              <a:t>(Visit</a:t>
             </a:r>
             <a:r>
               <a:rPr lang="en-US" dirty="0"/>
@@ -36191,14 +36026,7 @@
                 <a:latin typeface="Telephoto"/>
                 <a:cs typeface="Telephoto"/>
               </a:rPr>
-              <a:t>In R: (1</a:t>
-            </a:r>
-            <a:r>
-              <a:rPr lang="en-US" sz="2200" dirty="0" smtClean="0">
-                <a:latin typeface="Telephoto"/>
-                <a:cs typeface="Telephoto"/>
-              </a:rPr>
-              <a:t>|Child.ID)</a:t>
+              <a:t>In R: (1|Child.ID)</a:t>
             </a:r>
             <a:endParaRPr lang="en-US" sz="2200" dirty="0">
               <a:latin typeface="Telephoto"/>
@@ -36246,14 +36074,7 @@
                 <a:latin typeface="Telephoto"/>
                 <a:cs typeface="Telephoto"/>
               </a:rPr>
-              <a:t>In R: (1+</a:t>
-            </a:r>
-            <a:r>
-              <a:rPr lang="en-US" sz="2200" dirty="0" smtClean="0">
-                <a:latin typeface="Telephoto"/>
-                <a:cs typeface="Telephoto"/>
-              </a:rPr>
-              <a:t>Visit|Child.ID)</a:t>
+              <a:t>In R: (1+Visit|Child.ID)</a:t>
             </a:r>
             <a:endParaRPr lang="en-US" sz="2200" dirty="0">
               <a:latin typeface="Telephoto"/>
@@ -38204,11 +38025,7 @@
           <a:p>
             <a:r>
               <a:rPr lang="en-US" sz="5200" dirty="0" smtClean="0"/>
-              <a:t>Model=lm</a:t>
-            </a:r>
-            <a:r>
-              <a:rPr lang="en-US" sz="5200" dirty="0" smtClean="0"/>
-              <a:t>(</a:t>
+              <a:t>Model=lm(</a:t>
             </a:r>
             <a:r>
               <a:rPr lang="en-US" sz="5200" dirty="0" err="1" smtClean="0"/>
@@ -38216,19 +38033,7 @@
             </a:r>
             <a:r>
               <a:rPr lang="en-US" sz="5200" dirty="0" smtClean="0"/>
-              <a:t> </a:t>
-            </a:r>
-            <a:r>
-              <a:rPr lang="en-US" sz="5200" dirty="0" smtClean="0"/>
-              <a:t>~ </a:t>
-            </a:r>
-            <a:r>
-              <a:rPr lang="en-US" sz="5200" dirty="0" smtClean="0"/>
-              <a:t>Visit, </a:t>
-            </a:r>
-            <a:r>
-              <a:rPr lang="en-US" sz="5200" dirty="0" smtClean="0"/>
-              <a:t>Data)</a:t>
+              <a:t> ~ Visit, Data)</a:t>
             </a:r>
           </a:p>
           <a:p>
@@ -38283,11 +38088,7 @@
             </a:r>
             <a:r>
               <a:rPr lang="en-US" sz="5200" dirty="0" smtClean="0"/>
-              <a:t>|Child.ID)</a:t>
-            </a:r>
-            <a:r>
-              <a:rPr lang="en-US" sz="5200" dirty="0" smtClean="0"/>
-              <a:t>,Data)</a:t>
+              <a:t>|Child.ID),Data)</a:t>
             </a:r>
           </a:p>
           <a:p>
@@ -38320,31 +38121,23 @@
             </a:r>
             <a:r>
               <a:rPr lang="en-US" sz="5200" dirty="0"/>
-              <a:t>  </a:t>
-            </a:r>
-            <a:r>
-              <a:rPr lang="en-US" sz="5200" dirty="0"/>
-              <a:t>~ </a:t>
+              <a:t>  ~ </a:t>
             </a:r>
             <a:r>
               <a:rPr lang="en-US" sz="5200" dirty="0" smtClean="0"/>
-              <a:t>Visit + </a:t>
-            </a:r>
-            <a:r>
-              <a:rPr lang="en-US" sz="5200" dirty="0" smtClean="0"/>
-              <a:t>(</a:t>
+              <a:t>Visit + (</a:t>
             </a:r>
             <a:r>
               <a:rPr lang="en-US" sz="5200" dirty="0" err="1" smtClean="0"/>
-              <a:t>Visit|</a:t>
-            </a:r>
-            <a:r>
-              <a:rPr lang="en-US" sz="5200" dirty="0" err="1" smtClean="0"/>
-              <a:t>Kid</a:t>
-            </a:r>
-            <a:r>
-              <a:rPr lang="en-US" sz="5200" dirty="0" smtClean="0"/>
-              <a:t>) </a:t>
+              <a:t>Visit</a:t>
+            </a:r>
+            <a:r>
+              <a:rPr lang="en-US" sz="5200" err="1" smtClean="0"/>
+              <a:t>|</a:t>
+            </a:r>
+            <a:r>
+              <a:rPr lang="en-US" sz="5200" smtClean="0"/>
+              <a:t>Child.ID) </a:t>
             </a:r>
             <a:r>
               <a:rPr lang="en-US" sz="5200" dirty="0"/>
@@ -38467,11 +38260,7 @@
             </a:r>
             <a:r>
               <a:rPr lang="en-US" sz="5200" dirty="0"/>
-              <a:t>  </a:t>
-            </a:r>
-            <a:r>
-              <a:rPr lang="en-US" sz="5200" dirty="0"/>
-              <a:t>~ </a:t>
+              <a:t>  ~ </a:t>
             </a:r>
             <a:r>
               <a:rPr lang="en-US" sz="5200" dirty="0" smtClean="0"/>
@@ -38487,11 +38276,7 @@
             </a:r>
             <a:r>
               <a:rPr lang="en-US" sz="5200" dirty="0" smtClean="0"/>
-              <a:t>)</a:t>
-            </a:r>
-            <a:r>
-              <a:rPr lang="en-US" sz="5200" dirty="0" smtClean="0"/>
-              <a:t>+(1|Experimenter)</a:t>
+              <a:t>)+(1|Experimenter)</a:t>
             </a:r>
           </a:p>
           <a:p>
@@ -38516,11 +38301,7 @@
             </a:r>
             <a:r>
               <a:rPr lang="en-US" sz="5200" dirty="0"/>
-              <a:t>  </a:t>
-            </a:r>
-            <a:r>
-              <a:rPr lang="en-US" sz="5200" dirty="0"/>
-              <a:t>~ </a:t>
+              <a:t>  ~ </a:t>
             </a:r>
             <a:r>
               <a:rPr lang="en-US" sz="5200" dirty="0" smtClean="0"/>
@@ -38532,11 +38313,7 @@
             </a:r>
             <a:r>
               <a:rPr lang="en-US" sz="5200" dirty="0" err="1" smtClean="0"/>
-              <a:t>Visit|Child</a:t>
-            </a:r>
-            <a:r>
-              <a:rPr lang="en-US" sz="5200" dirty="0" err="1" smtClean="0"/>
-              <a:t>.ID</a:t>
+              <a:t>Visit|Child.ID</a:t>
             </a:r>
             <a:r>
               <a:rPr lang="en-US" sz="5200" dirty="0" smtClean="0"/>
@@ -38798,7 +38575,6 @@
               <a:rPr lang="en-US" dirty="0" smtClean="0"/>
               <a:t>Then run your model</a:t>
             </a:r>
-            <a:endParaRPr lang="en-US" dirty="0" smtClean="0"/>
           </a:p>
           <a:p>
             <a:endParaRPr lang="en-US" dirty="0"/>

--- a/Day5/Lecture 5.pptx
+++ b/Day5/Lecture 5.pptx
@@ -616,245 +616,12 @@
               </a:lnSpc>
               <a:defRPr sz="1800"/>
             </a:pPr>
-            <a:r>
-              <a:rPr sz="1200">
-                <a:latin typeface="Calibri"/>
-                <a:ea typeface="Calibri"/>
-                <a:cs typeface="Calibri"/>
-                <a:sym typeface="Calibri"/>
-              </a:rPr>
-              <a:t>##       R2m       R2c </a:t>
-            </a:r>
-            <a:endParaRPr>
+            <a:endParaRPr sz="1200" dirty="0">
               <a:latin typeface="Calibri"/>
               <a:ea typeface="Calibri"/>
               <a:cs typeface="Calibri"/>
               <a:sym typeface="Calibri"/>
             </a:endParaRPr>
-          </a:p>
-          <a:p>
-            <a:pPr lvl="0">
-              <a:lnSpc>
-                <a:spcPct val="100000"/>
-              </a:lnSpc>
-              <a:defRPr sz="1800"/>
-            </a:pPr>
-            <a:r>
-              <a:rPr sz="1200">
-                <a:latin typeface="Calibri"/>
-                <a:ea typeface="Calibri"/>
-                <a:cs typeface="Calibri"/>
-                <a:sym typeface="Calibri"/>
-              </a:rPr>
-              <a:t>## 0.5446216 0.7988174</a:t>
-            </a:r>
-            <a:endParaRPr>
-              <a:latin typeface="Calibri"/>
-              <a:ea typeface="Calibri"/>
-              <a:cs typeface="Calibri"/>
-              <a:sym typeface="Calibri"/>
-            </a:endParaRPr>
-          </a:p>
-          <a:p>
-            <a:pPr lvl="0">
-              <a:lnSpc>
-                <a:spcPct val="100000"/>
-              </a:lnSpc>
-              <a:defRPr sz="1800"/>
-            </a:pPr>
-            <a:r>
-              <a:rPr sz="1200">
-                <a:latin typeface="Calibri"/>
-                <a:ea typeface="Calibri"/>
-                <a:cs typeface="Calibri"/>
-                <a:sym typeface="Calibri"/>
-              </a:rPr>
-              <a:t>##                Estimate  Std..Error   t.value      p</a:t>
-            </a:r>
-            <a:endParaRPr>
-              <a:latin typeface="Calibri"/>
-              <a:ea typeface="Calibri"/>
-              <a:cs typeface="Calibri"/>
-              <a:sym typeface="Calibri"/>
-            </a:endParaRPr>
-          </a:p>
-          <a:p>
-            <a:pPr lvl="0">
-              <a:lnSpc>
-                <a:spcPct val="100000"/>
-              </a:lnSpc>
-              <a:defRPr sz="1800"/>
-            </a:pPr>
-            <a:r>
-              <a:rPr sz="1200">
-                <a:latin typeface="Calibri"/>
-                <a:ea typeface="Calibri"/>
-                <a:cs typeface="Calibri"/>
-                <a:sym typeface="Calibri"/>
-              </a:rPr>
-              <a:t>## (Intercept) -947.210166 129.4376226 -7.317889 &lt;1e-04</a:t>
-            </a:r>
-            <a:endParaRPr>
-              <a:latin typeface="Calibri"/>
-              <a:ea typeface="Calibri"/>
-              <a:cs typeface="Calibri"/>
-              <a:sym typeface="Calibri"/>
-            </a:endParaRPr>
-          </a:p>
-          <a:p>
-            <a:pPr lvl="0">
-              <a:lnSpc>
-                <a:spcPct val="100000"/>
-              </a:lnSpc>
-              <a:defRPr sz="1800"/>
-            </a:pPr>
-            <a:r>
-              <a:rPr sz="1200">
-                <a:latin typeface="Calibri"/>
-                <a:ea typeface="Calibri"/>
-                <a:cs typeface="Calibri"/>
-                <a:sym typeface="Calibri"/>
-              </a:rPr>
-              <a:t>## Age           27.669559   3.4419287  8.038969 &lt;1e-04</a:t>
-            </a:r>
-            <a:endParaRPr>
-              <a:latin typeface="Calibri"/>
-              <a:ea typeface="Calibri"/>
-              <a:cs typeface="Calibri"/>
-              <a:sym typeface="Calibri"/>
-            </a:endParaRPr>
-          </a:p>
-          <a:p>
-            <a:pPr lvl="0">
-              <a:lnSpc>
-                <a:spcPct val="100000"/>
-              </a:lnSpc>
-              <a:defRPr sz="1800"/>
-            </a:pPr>
-            <a:r>
-              <a:rPr sz="1200">
-                <a:latin typeface="Calibri"/>
-                <a:ea typeface="Calibri"/>
-                <a:cs typeface="Calibri"/>
-                <a:sym typeface="Calibri"/>
-              </a:rPr>
-              <a:t>## Age2        -260.638589  42.2492893 -6.169064 &lt;1e-04</a:t>
-            </a:r>
-            <a:endParaRPr>
-              <a:latin typeface="Calibri"/>
-              <a:ea typeface="Calibri"/>
-              <a:cs typeface="Calibri"/>
-              <a:sym typeface="Calibri"/>
-            </a:endParaRPr>
-          </a:p>
-          <a:p>
-            <a:pPr lvl="0">
-              <a:lnSpc>
-                <a:spcPct val="100000"/>
-              </a:lnSpc>
-              <a:defRPr sz="1800"/>
-            </a:pPr>
-            <a:r>
-              <a:rPr sz="1200">
-                <a:latin typeface="Calibri"/>
-                <a:ea typeface="Calibri"/>
-                <a:cs typeface="Calibri"/>
-                <a:sym typeface="Calibri"/>
-              </a:rPr>
-              <a:t>## ASD1         929.898437 162.7709547  5.712926 &lt;1e-04</a:t>
-            </a:r>
-            <a:endParaRPr>
-              <a:latin typeface="Calibri"/>
-              <a:ea typeface="Calibri"/>
-              <a:cs typeface="Calibri"/>
-              <a:sym typeface="Calibri"/>
-            </a:endParaRPr>
-          </a:p>
-          <a:p>
-            <a:pPr lvl="0">
-              <a:lnSpc>
-                <a:spcPct val="100000"/>
-              </a:lnSpc>
-              <a:defRPr sz="1800"/>
-            </a:pPr>
-            <a:r>
-              <a:rPr sz="1200">
-                <a:latin typeface="Calibri"/>
-                <a:ea typeface="Calibri"/>
-                <a:cs typeface="Calibri"/>
-                <a:sym typeface="Calibri"/>
-              </a:rPr>
-              <a:t>## ADOS1         -8.128230   1.8324756 -4.435655 &lt;1e-04</a:t>
-            </a:r>
-            <a:endParaRPr>
-              <a:latin typeface="Calibri"/>
-              <a:ea typeface="Calibri"/>
-              <a:cs typeface="Calibri"/>
-              <a:sym typeface="Calibri"/>
-            </a:endParaRPr>
-          </a:p>
-          <a:p>
-            <a:pPr lvl="0">
-              <a:lnSpc>
-                <a:spcPct val="100000"/>
-              </a:lnSpc>
-              <a:defRPr sz="1800"/>
-            </a:pPr>
-            <a:r>
-              <a:rPr sz="1200">
-                <a:latin typeface="Calibri"/>
-                <a:ea typeface="Calibri"/>
-                <a:cs typeface="Calibri"/>
-                <a:sym typeface="Calibri"/>
-              </a:rPr>
-              <a:t>## Mullen1        1.578514   0.3683045  4.285895 &lt;1e-04</a:t>
-            </a:r>
-            <a:endParaRPr>
-              <a:latin typeface="Calibri"/>
-              <a:ea typeface="Calibri"/>
-              <a:cs typeface="Calibri"/>
-              <a:sym typeface="Calibri"/>
-            </a:endParaRPr>
-          </a:p>
-          <a:p>
-            <a:pPr lvl="0">
-              <a:lnSpc>
-                <a:spcPct val="100000"/>
-              </a:lnSpc>
-              <a:defRPr sz="1800"/>
-            </a:pPr>
-            <a:r>
-              <a:rPr sz="1200">
-                <a:latin typeface="Calibri"/>
-                <a:ea typeface="Calibri"/>
-                <a:cs typeface="Calibri"/>
-                <a:sym typeface="Calibri"/>
-              </a:rPr>
-              <a:t>## Age:ASD1     -23.701781   4.4163958 -5.366770 &lt;1e-04</a:t>
-            </a:r>
-            <a:endParaRPr>
-              <a:latin typeface="Calibri"/>
-              <a:ea typeface="Calibri"/>
-              <a:cs typeface="Calibri"/>
-              <a:sym typeface="Calibri"/>
-            </a:endParaRPr>
-          </a:p>
-          <a:p>
-            <a:pPr lvl="0">
-              <a:lnSpc>
-                <a:spcPct val="100000"/>
-              </a:lnSpc>
-              <a:defRPr sz="1800"/>
-            </a:pPr>
-            <a:r>
-              <a:rPr sz="1200">
-                <a:latin typeface="Calibri"/>
-                <a:ea typeface="Calibri"/>
-                <a:cs typeface="Calibri"/>
-                <a:sym typeface="Calibri"/>
-              </a:rPr>
-              <a:t>## Age2:ASD1    244.238244  49.1403678  4.970216 &lt;1e-04</a:t>
-            </a:r>
           </a:p>
         </p:txBody>
       </p:sp>
@@ -2882,14 +2649,6 @@
           <a:bodyPr/>
           <a:lstStyle/>
           <a:p>
-            <a:r>
-              <a:rPr lang="en-US" dirty="0" smtClean="0"/>
-              <a:t>not</a:t>
-            </a:r>
-            <a:r>
-              <a:rPr lang="en-US" baseline="0" dirty="0" smtClean="0"/>
-              <a:t> always “what you measure and what you manipulate” … or “what you observe and what you control” ...</a:t>
-            </a:r>
             <a:endParaRPr lang="en-US" dirty="0"/>
           </a:p>
         </p:txBody>
@@ -12243,7 +12002,7 @@
           <a:graphicData uri="http://schemas.openxmlformats.org/presentationml/2006/ole">
             <mc:AlternateContent xmlns:mc="http://schemas.openxmlformats.org/markup-compatibility/2006">
               <mc:Choice xmlns:v="urn:schemas-microsoft-com:vml" Requires="v">
-                <p:oleObj spid="_x0000_s2528" name="Equation" r:id="rId3" imgW="114300" imgH="165100" progId="Equation.3">
+                <p:oleObj spid="_x0000_s2532" name="Equation" r:id="rId3" imgW="114300" imgH="165100" progId="Equation.3">
                   <p:embed/>
                 </p:oleObj>
               </mc:Choice>
@@ -12300,7 +12059,7 @@
           <a:graphicData uri="http://schemas.openxmlformats.org/presentationml/2006/ole">
             <mc:AlternateContent xmlns:mc="http://schemas.openxmlformats.org/markup-compatibility/2006">
               <mc:Choice xmlns:v="urn:schemas-microsoft-com:vml" Requires="v">
-                <p:oleObj spid="_x0000_s2529" name="Equation" r:id="rId5" imgW="863600" imgH="457200" progId="Equation.3">
+                <p:oleObj spid="_x0000_s2533" name="Equation" r:id="rId5" imgW="863600" imgH="457200" progId="Equation.3">
                   <p:embed/>
                 </p:oleObj>
               </mc:Choice>
@@ -15794,7 +15553,7 @@
           <a:graphicData uri="http://schemas.openxmlformats.org/presentationml/2006/ole">
             <mc:AlternateContent xmlns:mc="http://schemas.openxmlformats.org/markup-compatibility/2006">
               <mc:Choice xmlns:v="urn:schemas-microsoft-com:vml" Requires="v">
-                <p:oleObj spid="_x0000_s3552" name="Equation" r:id="rId3" imgW="520700" imgH="431800" progId="Equation.3">
+                <p:oleObj spid="_x0000_s3556" name="Equation" r:id="rId3" imgW="520700" imgH="431800" progId="Equation.3">
                   <p:embed/>
                 </p:oleObj>
               </mc:Choice>
@@ -15881,7 +15640,7 @@
           <a:graphicData uri="http://schemas.openxmlformats.org/presentationml/2006/ole">
             <mc:AlternateContent xmlns:mc="http://schemas.openxmlformats.org/markup-compatibility/2006">
               <mc:Choice xmlns:v="urn:schemas-microsoft-com:vml" Requires="v">
-                <p:oleObj spid="_x0000_s3553" name="Equation" r:id="rId5" imgW="520700" imgH="431800" progId="Equation.3">
+                <p:oleObj spid="_x0000_s3557" name="Equation" r:id="rId5" imgW="520700" imgH="431800" progId="Equation.3">
                   <p:embed/>
                 </p:oleObj>
               </mc:Choice>
@@ -16952,7 +16711,7 @@
           <a:graphicData uri="http://schemas.openxmlformats.org/presentationml/2006/ole">
             <mc:AlternateContent xmlns:mc="http://schemas.openxmlformats.org/markup-compatibility/2006">
               <mc:Choice xmlns:v="urn:schemas-microsoft-com:vml" Requires="v">
-                <p:oleObj spid="_x0000_s4340" name="Equation" r:id="rId3" imgW="165100" imgH="203200" progId="Equation.3">
+                <p:oleObj spid="_x0000_s4342" name="Equation" r:id="rId3" imgW="165100" imgH="203200" progId="Equation.3">
                   <p:embed/>
                 </p:oleObj>
               </mc:Choice>
@@ -18406,7 +18165,7 @@
           <a:graphicData uri="http://schemas.openxmlformats.org/presentationml/2006/ole">
             <mc:AlternateContent xmlns:mc="http://schemas.openxmlformats.org/markup-compatibility/2006">
               <mc:Choice xmlns:v="urn:schemas-microsoft-com:vml" Requires="v">
-                <p:oleObj spid="_x0000_s5600" name="Equation" r:id="rId3" imgW="863600" imgH="457200" progId="Equation.3">
+                <p:oleObj spid="_x0000_s5604" name="Equation" r:id="rId3" imgW="863600" imgH="457200" progId="Equation.3">
                   <p:embed/>
                 </p:oleObj>
               </mc:Choice>
@@ -18517,7 +18276,7 @@
           <a:graphicData uri="http://schemas.openxmlformats.org/presentationml/2006/ole">
             <mc:AlternateContent xmlns:mc="http://schemas.openxmlformats.org/markup-compatibility/2006">
               <mc:Choice xmlns:v="urn:schemas-microsoft-com:vml" Requires="v">
-                <p:oleObj spid="_x0000_s5601" name="Equation" r:id="rId5" imgW="381000" imgH="406400" progId="Equation.3">
+                <p:oleObj spid="_x0000_s5605" name="Equation" r:id="rId5" imgW="381000" imgH="406400" progId="Equation.3">
                   <p:embed/>
                 </p:oleObj>
               </mc:Choice>
@@ -20774,7 +20533,7 @@
           <a:graphicData uri="http://schemas.openxmlformats.org/presentationml/2006/ole">
             <mc:AlternateContent xmlns:mc="http://schemas.openxmlformats.org/markup-compatibility/2006">
               <mc:Choice xmlns:v="urn:schemas-microsoft-com:vml" Requires="v">
-                <p:oleObj spid="_x0000_s9696" name="Equation" r:id="rId4" imgW="165100" imgH="203200" progId="Equation.3">
+                <p:oleObj spid="_x0000_s9700" name="Equation" r:id="rId4" imgW="165100" imgH="203200" progId="Equation.3">
                   <p:embed/>
                 </p:oleObj>
               </mc:Choice>
@@ -21096,7 +20855,7 @@
           <a:graphicData uri="http://schemas.openxmlformats.org/presentationml/2006/ole">
             <mc:AlternateContent xmlns:mc="http://schemas.openxmlformats.org/markup-compatibility/2006">
               <mc:Choice xmlns:v="urn:schemas-microsoft-com:vml" Requires="v">
-                <p:oleObj spid="_x0000_s9697" name="Equation" r:id="rId6" imgW="165100" imgH="203200" progId="Equation.3">
+                <p:oleObj spid="_x0000_s9701" name="Equation" r:id="rId6" imgW="165100" imgH="203200" progId="Equation.3">
                   <p:embed/>
                 </p:oleObj>
               </mc:Choice>
@@ -38132,12 +37891,12 @@
               <a:t>Visit</a:t>
             </a:r>
             <a:r>
-              <a:rPr lang="en-US" sz="5200" err="1" smtClean="0"/>
-              <a:t>|</a:t>
-            </a:r>
-            <a:r>
-              <a:rPr lang="en-US" sz="5200" smtClean="0"/>
-              <a:t>Child.ID) </a:t>
+              <a:rPr lang="en-US" sz="5200" dirty="0" err="1" smtClean="0"/>
+              <a:t>|Child.ID</a:t>
+            </a:r>
+            <a:r>
+              <a:rPr lang="en-US" sz="5200" dirty="0" smtClean="0"/>
+              <a:t>) </a:t>
             </a:r>
             <a:r>
               <a:rPr lang="en-US" sz="5200" dirty="0"/>

--- a/Day5/Lecture 5.pptx
+++ b/Day5/Lecture 5.pptx
@@ -5,7 +5,7 @@
     <p:sldMasterId id="2147483648" r:id="rId1"/>
   </p:sldMasterIdLst>
   <p:notesMasterIdLst>
-    <p:notesMasterId r:id="rId93"/>
+    <p:notesMasterId r:id="rId92"/>
   </p:notesMasterIdLst>
   <p:sldIdLst>
     <p:sldId id="256" r:id="rId2"/>
@@ -92,13 +92,12 @@
     <p:sldId id="412" r:id="rId83"/>
     <p:sldId id="413" r:id="rId84"/>
     <p:sldId id="414" r:id="rId85"/>
-    <p:sldId id="420" r:id="rId86"/>
-    <p:sldId id="422" r:id="rId87"/>
-    <p:sldId id="425" r:id="rId88"/>
-    <p:sldId id="461" r:id="rId89"/>
-    <p:sldId id="462" r:id="rId90"/>
-    <p:sldId id="463" r:id="rId91"/>
-    <p:sldId id="434" r:id="rId92"/>
+    <p:sldId id="422" r:id="rId86"/>
+    <p:sldId id="425" r:id="rId87"/>
+    <p:sldId id="461" r:id="rId88"/>
+    <p:sldId id="462" r:id="rId89"/>
+    <p:sldId id="463" r:id="rId90"/>
+    <p:sldId id="434" r:id="rId91"/>
   </p:sldIdLst>
   <p:sldSz cx="9144000" cy="6858000" type="screen4x3"/>
   <p:notesSz cx="6858000" cy="9144000"/>
@@ -2048,90 +2047,6 @@
     <p:extLst>
       <p:ext uri="{BB962C8B-B14F-4D97-AF65-F5344CB8AC3E}">
         <p14:creationId xmlns:p14="http://schemas.microsoft.com/office/powerpoint/2010/main" val="133086622"/>
-      </p:ext>
-    </p:extLst>
-  </p:cSld>
-  <p:clrMapOvr>
-    <a:masterClrMapping/>
-  </p:clrMapOvr>
-</p:notes>
-</file>
-
-<file path=ppt/notesSlides/notesSlide25.xml><?xml version="1.0" encoding="utf-8"?>
-<p:notes xmlns:a="http://schemas.openxmlformats.org/drawingml/2006/main" xmlns:r="http://schemas.openxmlformats.org/officeDocument/2006/relationships" xmlns:p="http://schemas.openxmlformats.org/presentationml/2006/main">
-  <p:cSld>
-    <p:spTree>
-      <p:nvGrpSpPr>
-        <p:cNvPr id="1" name=""/>
-        <p:cNvGrpSpPr/>
-        <p:nvPr/>
-      </p:nvGrpSpPr>
-      <p:grpSpPr>
-        <a:xfrm>
-          <a:off x="0" y="0"/>
-          <a:ext cx="0" cy="0"/>
-          <a:chOff x="0" y="0"/>
-          <a:chExt cx="0" cy="0"/>
-        </a:xfrm>
-      </p:grpSpPr>
-      <p:sp>
-        <p:nvSpPr>
-          <p:cNvPr id="2" name="Slide Image Placeholder 1"/>
-          <p:cNvSpPr>
-            <a:spLocks noGrp="1" noRot="1" noChangeAspect="1"/>
-          </p:cNvSpPr>
-          <p:nvPr>
-            <p:ph type="sldImg"/>
-          </p:nvPr>
-        </p:nvSpPr>
-        <p:spPr/>
-      </p:sp>
-      <p:sp>
-        <p:nvSpPr>
-          <p:cNvPr id="3" name="Notes Placeholder 2"/>
-          <p:cNvSpPr>
-            <a:spLocks noGrp="1"/>
-          </p:cNvSpPr>
-          <p:nvPr>
-            <p:ph type="body" idx="1"/>
-          </p:nvPr>
-        </p:nvSpPr>
-        <p:spPr/>
-        <p:txBody>
-          <a:bodyPr/>
-          <a:lstStyle/>
-          <a:p>
-            <a:endParaRPr lang="en-US" dirty="0" smtClean="0"/>
-          </a:p>
-        </p:txBody>
-      </p:sp>
-      <p:sp>
-        <p:nvSpPr>
-          <p:cNvPr id="4" name="Slide Number Placeholder 3"/>
-          <p:cNvSpPr>
-            <a:spLocks noGrp="1"/>
-          </p:cNvSpPr>
-          <p:nvPr>
-            <p:ph type="sldNum" sz="quarter" idx="10"/>
-          </p:nvPr>
-        </p:nvSpPr>
-        <p:spPr/>
-        <p:txBody>
-          <a:bodyPr/>
-          <a:lstStyle/>
-          <a:p>
-            <a:fld id="{4F26E0DC-973E-C14A-A5C3-3B39B5534D29}" type="slidenum">
-              <a:rPr lang="en-US" smtClean="0"/>
-              <a:t>85</a:t>
-            </a:fld>
-            <a:endParaRPr lang="en-US"/>
-          </a:p>
-        </p:txBody>
-      </p:sp>
-    </p:spTree>
-    <p:extLst>
-      <p:ext uri="{BB962C8B-B14F-4D97-AF65-F5344CB8AC3E}">
-        <p14:creationId xmlns:p14="http://schemas.microsoft.com/office/powerpoint/2010/main" val="2091461077"/>
       </p:ext>
     </p:extLst>
   </p:cSld>
@@ -12002,7 +11917,7 @@
           <a:graphicData uri="http://schemas.openxmlformats.org/presentationml/2006/ole">
             <mc:AlternateContent xmlns:mc="http://schemas.openxmlformats.org/markup-compatibility/2006">
               <mc:Choice xmlns:v="urn:schemas-microsoft-com:vml" Requires="v">
-                <p:oleObj spid="_x0000_s2532" name="Equation" r:id="rId3" imgW="114300" imgH="165100" progId="Equation.3">
+                <p:oleObj spid="_x0000_s2548" name="Equation" r:id="rId3" imgW="114300" imgH="165100" progId="Equation.3">
                   <p:embed/>
                 </p:oleObj>
               </mc:Choice>
@@ -12059,7 +11974,7 @@
           <a:graphicData uri="http://schemas.openxmlformats.org/presentationml/2006/ole">
             <mc:AlternateContent xmlns:mc="http://schemas.openxmlformats.org/markup-compatibility/2006">
               <mc:Choice xmlns:v="urn:schemas-microsoft-com:vml" Requires="v">
-                <p:oleObj spid="_x0000_s2533" name="Equation" r:id="rId5" imgW="863600" imgH="457200" progId="Equation.3">
+                <p:oleObj spid="_x0000_s2549" name="Equation" r:id="rId5" imgW="863600" imgH="457200" progId="Equation.3">
                   <p:embed/>
                 </p:oleObj>
               </mc:Choice>
@@ -15553,7 +15468,7 @@
           <a:graphicData uri="http://schemas.openxmlformats.org/presentationml/2006/ole">
             <mc:AlternateContent xmlns:mc="http://schemas.openxmlformats.org/markup-compatibility/2006">
               <mc:Choice xmlns:v="urn:schemas-microsoft-com:vml" Requires="v">
-                <p:oleObj spid="_x0000_s3556" name="Equation" r:id="rId3" imgW="520700" imgH="431800" progId="Equation.3">
+                <p:oleObj spid="_x0000_s3572" name="Equation" r:id="rId3" imgW="520700" imgH="431800" progId="Equation.3">
                   <p:embed/>
                 </p:oleObj>
               </mc:Choice>
@@ -15640,7 +15555,7 @@
           <a:graphicData uri="http://schemas.openxmlformats.org/presentationml/2006/ole">
             <mc:AlternateContent xmlns:mc="http://schemas.openxmlformats.org/markup-compatibility/2006">
               <mc:Choice xmlns:v="urn:schemas-microsoft-com:vml" Requires="v">
-                <p:oleObj spid="_x0000_s3557" name="Equation" r:id="rId5" imgW="520700" imgH="431800" progId="Equation.3">
+                <p:oleObj spid="_x0000_s3573" name="Equation" r:id="rId5" imgW="520700" imgH="431800" progId="Equation.3">
                   <p:embed/>
                 </p:oleObj>
               </mc:Choice>
@@ -16711,7 +16626,7 @@
           <a:graphicData uri="http://schemas.openxmlformats.org/presentationml/2006/ole">
             <mc:AlternateContent xmlns:mc="http://schemas.openxmlformats.org/markup-compatibility/2006">
               <mc:Choice xmlns:v="urn:schemas-microsoft-com:vml" Requires="v">
-                <p:oleObj spid="_x0000_s4342" name="Equation" r:id="rId3" imgW="165100" imgH="203200" progId="Equation.3">
+                <p:oleObj spid="_x0000_s4350" name="Equation" r:id="rId3" imgW="165100" imgH="203200" progId="Equation.3">
                   <p:embed/>
                 </p:oleObj>
               </mc:Choice>
@@ -18165,7 +18080,7 @@
           <a:graphicData uri="http://schemas.openxmlformats.org/presentationml/2006/ole">
             <mc:AlternateContent xmlns:mc="http://schemas.openxmlformats.org/markup-compatibility/2006">
               <mc:Choice xmlns:v="urn:schemas-microsoft-com:vml" Requires="v">
-                <p:oleObj spid="_x0000_s5604" name="Equation" r:id="rId3" imgW="863600" imgH="457200" progId="Equation.3">
+                <p:oleObj spid="_x0000_s5620" name="Equation" r:id="rId3" imgW="863600" imgH="457200" progId="Equation.3">
                   <p:embed/>
                 </p:oleObj>
               </mc:Choice>
@@ -18276,7 +18191,7 @@
           <a:graphicData uri="http://schemas.openxmlformats.org/presentationml/2006/ole">
             <mc:AlternateContent xmlns:mc="http://schemas.openxmlformats.org/markup-compatibility/2006">
               <mc:Choice xmlns:v="urn:schemas-microsoft-com:vml" Requires="v">
-                <p:oleObj spid="_x0000_s5605" name="Equation" r:id="rId5" imgW="381000" imgH="406400" progId="Equation.3">
+                <p:oleObj spid="_x0000_s5621" name="Equation" r:id="rId5" imgW="381000" imgH="406400" progId="Equation.3">
                   <p:embed/>
                 </p:oleObj>
               </mc:Choice>
@@ -20533,7 +20448,7 @@
           <a:graphicData uri="http://schemas.openxmlformats.org/presentationml/2006/ole">
             <mc:AlternateContent xmlns:mc="http://schemas.openxmlformats.org/markup-compatibility/2006">
               <mc:Choice xmlns:v="urn:schemas-microsoft-com:vml" Requires="v">
-                <p:oleObj spid="_x0000_s9700" name="Equation" r:id="rId4" imgW="165100" imgH="203200" progId="Equation.3">
+                <p:oleObj spid="_x0000_s9716" name="Equation" r:id="rId4" imgW="165100" imgH="203200" progId="Equation.3">
                   <p:embed/>
                 </p:oleObj>
               </mc:Choice>
@@ -20855,7 +20770,7 @@
           <a:graphicData uri="http://schemas.openxmlformats.org/presentationml/2006/ole">
             <mc:AlternateContent xmlns:mc="http://schemas.openxmlformats.org/markup-compatibility/2006">
               <mc:Choice xmlns:v="urn:schemas-microsoft-com:vml" Requires="v">
-                <p:oleObj spid="_x0000_s9701" name="Equation" r:id="rId6" imgW="165100" imgH="203200" progId="Equation.3">
+                <p:oleObj spid="_x0000_s9717" name="Equation" r:id="rId6" imgW="165100" imgH="203200" progId="Equation.3">
                   <p:embed/>
                 </p:oleObj>
               </mc:Choice>
@@ -34680,22 +34595,21 @@
       </p:sp>
       <p:pic>
         <p:nvPicPr>
-          <p:cNvPr id="3" name="Picture 2"/>
+          <p:cNvPr id="4" name="Picture 3"/>
           <p:cNvPicPr>
             <a:picLocks noChangeAspect="1"/>
           </p:cNvPicPr>
           <p:nvPr/>
         </p:nvPicPr>
-        <p:blipFill>
+        <p:blipFill rotWithShape="1">
           <a:blip r:embed="rId2"/>
-          <a:stretch>
-            <a:fillRect/>
-          </a:stretch>
+          <a:srcRect r="14969"/>
+          <a:stretch/>
         </p:blipFill>
         <p:spPr>
           <a:xfrm>
-            <a:off x="0" y="1328770"/>
-            <a:ext cx="9143999" cy="4806329"/>
+            <a:off x="-154474" y="1574799"/>
+            <a:ext cx="9422911" cy="4339695"/>
           </a:xfrm>
           <a:prstGeom prst="rect">
             <a:avLst/>
@@ -34710,8 +34624,8 @@
         </p:nvSpPr>
         <p:spPr>
           <a:xfrm>
-            <a:off x="1514756" y="6135112"/>
-            <a:ext cx="6603340" cy="646331"/>
+            <a:off x="502094" y="5877697"/>
+            <a:ext cx="8308660" cy="923330"/>
           </a:xfrm>
           <a:prstGeom prst="rect">
             <a:avLst/>
@@ -34737,8 +34651,12 @@
               <a:t>=</a:t>
             </a:r>
             <a:r>
+              <a:rPr lang="en-US" dirty="0" err="1" smtClean="0"/>
+              <a:t>as.factor</a:t>
+            </a:r>
+            <a:r>
               <a:rPr lang="en-US" dirty="0"/>
-              <a:t>factor(</a:t>
+              <a:t>(</a:t>
             </a:r>
             <a:r>
               <a:rPr lang="en-US" dirty="0" err="1"/>
@@ -34752,6 +34670,32 @@
               <a:rPr lang="en-US" dirty="0" smtClean="0"/>
               <a:t>)</a:t>
             </a:r>
+          </a:p>
+          <a:p>
+            <a:r>
+              <a:rPr lang="en-US" dirty="0" err="1" smtClean="0"/>
+              <a:t>Data$ASD</a:t>
+            </a:r>
+            <a:r>
+              <a:rPr lang="en-US" dirty="0" smtClean="0"/>
+              <a:t>=</a:t>
+            </a:r>
+            <a:r>
+              <a:rPr lang="en-US" dirty="0" err="1" smtClean="0"/>
+              <a:t>as.factor</a:t>
+            </a:r>
+            <a:r>
+              <a:rPr lang="en-US" dirty="0" smtClean="0"/>
+              <a:t>(</a:t>
+            </a:r>
+            <a:r>
+              <a:rPr lang="en-US" dirty="0" err="1" smtClean="0"/>
+              <a:t>Data$ASD</a:t>
+            </a:r>
+            <a:r>
+              <a:rPr lang="en-US" dirty="0" smtClean="0"/>
+              <a:t>)</a:t>
+            </a:r>
             <a:endParaRPr lang="en-US" dirty="0"/>
           </a:p>
           <a:p>
@@ -34789,7 +34733,7 @@
             </a:r>
             <a:r>
               <a:rPr lang="en-US" dirty="0" err="1" smtClean="0"/>
-              <a:t>UniqueWordsChi</a:t>
+              <a:t>UniqueWordsChild</a:t>
             </a:r>
             <a:r>
               <a:rPr lang="en-US" dirty="0" smtClean="0"/>
@@ -34804,9 +34748,26 @@
               <a:t>geom_boxplot</a:t>
             </a:r>
             <a:r>
-              <a:rPr lang="en-US" dirty="0"/>
-              <a:t>()</a:t>
-            </a:r>
+              <a:rPr lang="en-US" dirty="0" smtClean="0"/>
+              <a:t>(</a:t>
+            </a:r>
+            <a:r>
+              <a:rPr lang="en-US" dirty="0" err="1" smtClean="0"/>
+              <a:t>aes</a:t>
+            </a:r>
+            <a:r>
+              <a:rPr lang="en-US" dirty="0" smtClean="0"/>
+              <a:t>(</a:t>
+            </a:r>
+            <a:r>
+              <a:rPr lang="en-US" dirty="0" err="1" smtClean="0"/>
+              <a:t>colour</a:t>
+            </a:r>
+            <a:r>
+              <a:rPr lang="en-US" dirty="0" smtClean="0"/>
+              <a:t>=ASD))</a:t>
+            </a:r>
+            <a:endParaRPr lang="en-US" dirty="0"/>
           </a:p>
         </p:txBody>
       </p:sp>
@@ -35353,22 +35314,21 @@
       </p:sp>
       <p:pic>
         <p:nvPicPr>
-          <p:cNvPr id="2" name="Picture 1"/>
+          <p:cNvPr id="3" name="Picture 2"/>
           <p:cNvPicPr>
             <a:picLocks noChangeAspect="1"/>
           </p:cNvPicPr>
           <p:nvPr/>
         </p:nvPicPr>
-        <p:blipFill>
+        <p:blipFill rotWithShape="1">
           <a:blip r:embed="rId2"/>
-          <a:stretch>
-            <a:fillRect/>
-          </a:stretch>
+          <a:srcRect t="9715" r="27546"/>
+          <a:stretch/>
         </p:blipFill>
         <p:spPr>
           <a:xfrm>
-            <a:off x="992414" y="685409"/>
-            <a:ext cx="6311900" cy="5892800"/>
+            <a:off x="0" y="1166954"/>
+            <a:ext cx="9144000" cy="5691046"/>
           </a:xfrm>
           <a:prstGeom prst="rect">
             <a:avLst/>
@@ -37624,7 +37584,7 @@
         <p:spPr/>
         <p:txBody>
           <a:bodyPr>
-            <a:normAutofit fontScale="90000"/>
+            <a:normAutofit/>
           </a:bodyPr>
           <a:lstStyle/>
           <a:p>
@@ -37634,7 +37594,7 @@
                   <a:srgbClr val="000000"/>
                 </a:solidFill>
               </a:rPr>
-              <a:t>Slope/intercept correlation examples</a:t>
+              <a:t>An example</a:t>
             </a:r>
             <a:endParaRPr lang="en-US" b="1" dirty="0">
               <a:solidFill>
@@ -37657,48 +37617,143 @@
         <p:spPr/>
         <p:txBody>
           <a:bodyPr>
-            <a:normAutofit/>
+            <a:normAutofit fontScale="70000" lnSpcReduction="20000"/>
           </a:bodyPr>
           <a:lstStyle/>
           <a:p>
             <a:r>
-              <a:rPr lang="en-US" dirty="0" smtClean="0"/>
-              <a:t>The more words you have when you start, the less you develop?</a:t>
-            </a:r>
-          </a:p>
-          <a:p>
-            <a:endParaRPr lang="en-US" sz="1600" dirty="0" smtClean="0"/>
+              <a:rPr lang="en-US" sz="5200" dirty="0" smtClean="0"/>
+              <a:t>Model=lm(</a:t>
+            </a:r>
+            <a:r>
+              <a:rPr lang="en-US" sz="5200" dirty="0" err="1" smtClean="0"/>
+              <a:t>UniqueWordsChild</a:t>
+            </a:r>
+            <a:r>
+              <a:rPr lang="en-US" sz="5200" dirty="0" smtClean="0"/>
+              <a:t> ~ Visit, Data)</a:t>
+            </a:r>
+          </a:p>
+          <a:p>
+            <a:r>
+              <a:rPr lang="en-US" sz="5200" dirty="0" smtClean="0"/>
+              <a:t>library(</a:t>
+            </a:r>
+            <a:r>
+              <a:rPr lang="en-US" sz="5200" dirty="0"/>
+              <a:t>lme4)</a:t>
+            </a:r>
+          </a:p>
+          <a:p>
+            <a:r>
+              <a:rPr lang="en-US" sz="5200" dirty="0" smtClean="0"/>
+              <a:t>Model1</a:t>
+            </a:r>
+            <a:r>
+              <a:rPr lang="en-US" sz="5200" dirty="0"/>
+              <a:t/>
+            </a:r>
+            <a:br>
+              <a:rPr lang="en-US" sz="5200" dirty="0"/>
+            </a:br>
+            <a:r>
+              <a:rPr lang="en-US" sz="5200" dirty="0"/>
+              <a:t>=</a:t>
+            </a:r>
+            <a:r>
+              <a:rPr lang="en-US" sz="5200" dirty="0" err="1" smtClean="0"/>
+              <a:t>lmer</a:t>
+            </a:r>
+            <a:r>
+              <a:rPr lang="en-US" sz="5200" dirty="0"/>
+              <a:t>(</a:t>
+            </a:r>
+            <a:r>
+              <a:rPr lang="en-US" sz="5200" dirty="0" err="1"/>
+              <a:t>UniqueWordsChild</a:t>
+            </a:r>
+            <a:r>
+              <a:rPr lang="en-US" sz="5200" dirty="0"/>
+              <a:t> ~ </a:t>
+            </a:r>
+            <a:r>
+              <a:rPr lang="en-US" sz="5200" dirty="0" smtClean="0"/>
+              <a:t>Visit + </a:t>
+            </a:r>
+            <a:r>
+              <a:rPr lang="en-US" sz="5200" dirty="0"/>
+              <a:t>(1</a:t>
+            </a:r>
+            <a:r>
+              <a:rPr lang="en-US" sz="5200" dirty="0" smtClean="0"/>
+              <a:t>|Child.ID),Data)</a:t>
+            </a:r>
+          </a:p>
+          <a:p>
+            <a:r>
+              <a:rPr lang="en-US" sz="5200" dirty="0" smtClean="0"/>
+              <a:t>Model2</a:t>
+            </a:r>
+            <a:r>
+              <a:rPr lang="en-US" sz="5200" dirty="0"/>
+              <a:t/>
+            </a:r>
+            <a:br>
+              <a:rPr lang="en-US" sz="5200" dirty="0"/>
+            </a:br>
+            <a:r>
+              <a:rPr lang="en-US" sz="5200" dirty="0"/>
+              <a:t>=</a:t>
+            </a:r>
+            <a:r>
+              <a:rPr lang="en-US" sz="5200" dirty="0" err="1" smtClean="0"/>
+              <a:t>lmer</a:t>
+            </a:r>
+            <a:r>
+              <a:rPr lang="en-US" sz="5200" dirty="0"/>
+              <a:t>(</a:t>
+            </a:r>
+            <a:r>
+              <a:rPr lang="en-US" sz="5200" dirty="0" err="1"/>
+              <a:t>UniqueWordsChild</a:t>
+            </a:r>
+            <a:r>
+              <a:rPr lang="en-US" sz="5200" dirty="0"/>
+              <a:t>  ~ </a:t>
+            </a:r>
+            <a:r>
+              <a:rPr lang="en-US" sz="5200" dirty="0" smtClean="0"/>
+              <a:t>Visit + (</a:t>
+            </a:r>
+            <a:r>
+              <a:rPr lang="en-US" sz="5200" dirty="0" err="1" smtClean="0"/>
+              <a:t>Visit</a:t>
+            </a:r>
+            <a:r>
+              <a:rPr lang="en-US" sz="5200" dirty="0" err="1" smtClean="0"/>
+              <a:t>|Child.ID</a:t>
+            </a:r>
+            <a:r>
+              <a:rPr lang="en-US" sz="5200" dirty="0" smtClean="0"/>
+              <a:t>) </a:t>
+            </a:r>
+            <a:r>
+              <a:rPr lang="en-US" sz="5200" dirty="0"/>
+              <a:t>,Data)</a:t>
+            </a:r>
+          </a:p>
+          <a:p>
+            <a:pPr marL="0" indent="0">
+              <a:buNone/>
+            </a:pPr>
+            <a:endParaRPr lang="en-US" sz="5200" dirty="0" smtClean="0"/>
           </a:p>
         </p:txBody>
       </p:sp>
-      <p:pic>
-        <p:nvPicPr>
-          <p:cNvPr id="4" name="Picture 3"/>
-          <p:cNvPicPr>
-            <a:picLocks noChangeAspect="1"/>
-          </p:cNvPicPr>
-          <p:nvPr/>
-        </p:nvPicPr>
-        <p:blipFill>
-          <a:blip r:embed="rId3"/>
-          <a:stretch>
-            <a:fillRect/>
-          </a:stretch>
-        </p:blipFill>
-        <p:spPr>
-          <a:xfrm>
-            <a:off x="4741302" y="3043753"/>
-            <a:ext cx="3945498" cy="3683523"/>
-          </a:xfrm>
-          <a:prstGeom prst="rect">
-            <a:avLst/>
-          </a:prstGeom>
-        </p:spPr>
-      </p:pic>
     </p:spTree>
     <p:extLst>
       <p:ext uri="{BB962C8B-B14F-4D97-AF65-F5344CB8AC3E}">
-        <p14:creationId xmlns:p14="http://schemas.microsoft.com/office/powerpoint/2010/main" val="1049813098"/>
+        <p14:creationId xmlns:p14="http://schemas.microsoft.com/office/powerpoint/2010/main" val="2577237020"/>
       </p:ext>
     </p:extLst>
   </p:cSld>
@@ -37755,7 +37810,7 @@
                   <a:srgbClr val="000000"/>
                 </a:solidFill>
               </a:rPr>
-              <a:t>An example</a:t>
+              <a:t>Cross-Nested</a:t>
             </a:r>
             <a:endParaRPr lang="en-US" b="1" dirty="0">
               <a:solidFill>
@@ -37778,37 +37833,13 @@
         <p:spPr/>
         <p:txBody>
           <a:bodyPr>
-            <a:normAutofit fontScale="70000" lnSpcReduction="20000"/>
+            <a:normAutofit fontScale="85000" lnSpcReduction="20000"/>
           </a:bodyPr>
           <a:lstStyle/>
           <a:p>
             <a:r>
               <a:rPr lang="en-US" sz="5200" dirty="0" smtClean="0"/>
-              <a:t>Model=lm(</a:t>
-            </a:r>
-            <a:r>
-              <a:rPr lang="en-US" sz="5200" dirty="0" err="1" smtClean="0"/>
-              <a:t>UniqueWordsChild</a:t>
-            </a:r>
-            <a:r>
-              <a:rPr lang="en-US" sz="5200" dirty="0" smtClean="0"/>
-              <a:t> ~ Visit, Data)</a:t>
-            </a:r>
-          </a:p>
-          <a:p>
-            <a:r>
-              <a:rPr lang="en-US" sz="5200" dirty="0" smtClean="0"/>
-              <a:t>library(</a:t>
-            </a:r>
-            <a:r>
-              <a:rPr lang="en-US" sz="5200" dirty="0"/>
-              <a:t>lme4)</a:t>
-            </a:r>
-          </a:p>
-          <a:p>
-            <a:r>
-              <a:rPr lang="en-US" sz="5200" dirty="0" smtClean="0"/>
-              <a:t>Model1</a:t>
+              <a:t>Model3</a:t>
             </a:r>
             <a:r>
               <a:rPr lang="en-US" sz="5200" dirty="0"/>
@@ -37819,41 +37850,37 @@
             </a:br>
             <a:r>
               <a:rPr lang="en-US" sz="5200" dirty="0"/>
-              <a:t>=</a:t>
-            </a:r>
-            <a:r>
-              <a:rPr lang="en-US" sz="5200" dirty="0" err="1" smtClean="0"/>
-              <a:t>lmer</a:t>
+              <a:t>=lm(Data, </a:t>
+            </a:r>
+            <a:r>
+              <a:rPr lang="en-US" sz="5200" dirty="0" err="1"/>
+              <a:t>UniqueWordsChild</a:t>
+            </a:r>
+            <a:r>
+              <a:rPr lang="en-US" sz="5200" dirty="0"/>
+              <a:t>  ~ </a:t>
+            </a:r>
+            <a:r>
+              <a:rPr lang="en-US" sz="5200" dirty="0" smtClean="0"/>
+              <a:t>Visit+ </a:t>
             </a:r>
             <a:r>
               <a:rPr lang="en-US" sz="5200" dirty="0"/>
               <a:t>(</a:t>
             </a:r>
             <a:r>
-              <a:rPr lang="en-US" sz="5200" dirty="0" err="1"/>
-              <a:t>UniqueWordsChild</a:t>
-            </a:r>
-            <a:r>
-              <a:rPr lang="en-US" sz="5200" dirty="0"/>
-              <a:t> ~ </a:t>
+              <a:rPr lang="en-US" sz="5200" dirty="0" err="1" smtClean="0"/>
+              <a:t>Visit|Child.ID</a:t>
             </a:r>
             <a:r>
               <a:rPr lang="en-US" sz="5200" dirty="0" smtClean="0"/>
-              <a:t>Visit + </a:t>
-            </a:r>
-            <a:r>
-              <a:rPr lang="en-US" sz="5200" dirty="0"/>
-              <a:t>(1</a:t>
-            </a:r>
+              <a:t>)+(1|Experimenter)</a:t>
+            </a:r>
+          </a:p>
+          <a:p>
             <a:r>
               <a:rPr lang="en-US" sz="5200" dirty="0" smtClean="0"/>
-              <a:t>|Child.ID),Data)</a:t>
-            </a:r>
-          </a:p>
-          <a:p>
-            <a:r>
-              <a:rPr lang="en-US" sz="5200" dirty="0" smtClean="0"/>
-              <a:t>Model2</a:t>
+              <a:t>Model4</a:t>
             </a:r>
             <a:r>
               <a:rPr lang="en-US" sz="5200" dirty="0"/>
@@ -37864,57 +37891,60 @@
             </a:br>
             <a:r>
               <a:rPr lang="en-US" sz="5200" dirty="0"/>
-              <a:t>=</a:t>
-            </a:r>
-            <a:r>
-              <a:rPr lang="en-US" sz="5200" dirty="0" err="1" smtClean="0"/>
-              <a:t>lmer</a:t>
+              <a:t>=lm(Data, </a:t>
+            </a:r>
+            <a:r>
+              <a:rPr lang="en-US" sz="5200" dirty="0" err="1"/>
+              <a:t>UniqueWordsChild</a:t>
+            </a:r>
+            <a:r>
+              <a:rPr lang="en-US" sz="5200" dirty="0"/>
+              <a:t>  ~ </a:t>
+            </a:r>
+            <a:r>
+              <a:rPr lang="en-US" sz="5200" dirty="0" smtClean="0"/>
+              <a:t>Visit+ </a:t>
             </a:r>
             <a:r>
               <a:rPr lang="en-US" sz="5200" dirty="0"/>
               <a:t>(</a:t>
             </a:r>
             <a:r>
+              <a:rPr lang="en-US" sz="5200" dirty="0" err="1" smtClean="0"/>
+              <a:t>Visit|Child.ID</a:t>
+            </a:r>
+            <a:r>
+              <a:rPr lang="en-US" sz="5200" dirty="0" smtClean="0"/>
+              <a:t>)</a:t>
+            </a:r>
+            <a:r>
+              <a:rPr lang="en-US" sz="5200" dirty="0"/>
+              <a:t>+</a:t>
+            </a:r>
+            <a:r>
+              <a:rPr lang="en-US" sz="5200" dirty="0" smtClean="0"/>
+              <a:t>(</a:t>
+            </a:r>
+            <a:r>
+              <a:rPr lang="en-US" sz="5200" dirty="0" err="1" smtClean="0"/>
+              <a:t>Visit|</a:t>
+            </a:r>
+            <a:r>
               <a:rPr lang="en-US" sz="5200" dirty="0" err="1"/>
-              <a:t>UniqueWordsChild</a:t>
-            </a:r>
-            <a:r>
-              <a:rPr lang="en-US" sz="5200" dirty="0"/>
-              <a:t>  ~ </a:t>
+              <a:t>Experimenter</a:t>
             </a:r>
             <a:r>
               <a:rPr lang="en-US" sz="5200" dirty="0" smtClean="0"/>
-              <a:t>Visit + (</a:t>
-            </a:r>
-            <a:r>
-              <a:rPr lang="en-US" sz="5200" dirty="0" err="1" smtClean="0"/>
-              <a:t>Visit</a:t>
-            </a:r>
-            <a:r>
-              <a:rPr lang="en-US" sz="5200" dirty="0" err="1" smtClean="0"/>
-              <a:t>|Child.ID</a:t>
-            </a:r>
-            <a:r>
-              <a:rPr lang="en-US" sz="5200" dirty="0" smtClean="0"/>
-              <a:t>) </a:t>
-            </a:r>
-            <a:r>
-              <a:rPr lang="en-US" sz="5200" dirty="0"/>
-              <a:t>,Data)</a:t>
-            </a:r>
-          </a:p>
-          <a:p>
-            <a:pPr marL="0" indent="0">
-              <a:buNone/>
-            </a:pPr>
-            <a:endParaRPr lang="en-US" sz="5200" dirty="0" smtClean="0"/>
+              <a:t>)</a:t>
+            </a:r>
+            <a:endParaRPr lang="en-US" sz="5200" dirty="0"/>
           </a:p>
         </p:txBody>
       </p:sp>
     </p:spTree>
     <p:extLst>
       <p:ext uri="{BB962C8B-B14F-4D97-AF65-F5344CB8AC3E}">
-        <p14:creationId xmlns:p14="http://schemas.microsoft.com/office/powerpoint/2010/main" val="2577237020"/>
+        <p14:creationId xmlns:p14="http://schemas.microsoft.com/office/powerpoint/2010/main" val="2474715730"/>
       </p:ext>
     </p:extLst>
   </p:cSld>
@@ -37960,152 +37990,80 @@
         </p:nvSpPr>
         <p:spPr/>
         <p:txBody>
-          <a:bodyPr>
-            <a:normAutofit/>
-          </a:bodyPr>
+          <a:bodyPr/>
           <a:lstStyle/>
           <a:p>
             <a:r>
-              <a:rPr lang="en-US" b="1" dirty="0" smtClean="0">
-                <a:solidFill>
-                  <a:srgbClr val="000000"/>
-                </a:solidFill>
-              </a:rPr>
-              <a:t>Cross-Nested</a:t>
-            </a:r>
-            <a:endParaRPr lang="en-US" b="1" dirty="0">
-              <a:solidFill>
-                <a:srgbClr val="000000"/>
-              </a:solidFill>
-            </a:endParaRPr>
+              <a:rPr lang="en-US" dirty="0" smtClean="0"/>
+              <a:t>Reading the output</a:t>
+            </a:r>
+            <a:endParaRPr lang="en-US" dirty="0"/>
           </a:p>
         </p:txBody>
       </p:sp>
-      <p:sp>
-        <p:nvSpPr>
-          <p:cNvPr id="3" name="Content Placeholder 2"/>
-          <p:cNvSpPr>
-            <a:spLocks noGrp="1"/>
-          </p:cNvSpPr>
-          <p:nvPr>
-            <p:ph idx="1"/>
-          </p:nvPr>
-        </p:nvSpPr>
-        <p:spPr/>
-        <p:txBody>
-          <a:bodyPr>
-            <a:normAutofit fontScale="85000" lnSpcReduction="20000"/>
-          </a:bodyPr>
-          <a:lstStyle/>
-          <a:p>
-            <a:r>
-              <a:rPr lang="en-US" sz="5200" dirty="0" smtClean="0"/>
-              <a:t>Model3</a:t>
-            </a:r>
-            <a:r>
-              <a:rPr lang="en-US" sz="5200" dirty="0"/>
-              <a:t/>
-            </a:r>
-            <a:br>
-              <a:rPr lang="en-US" sz="5200" dirty="0"/>
-            </a:br>
-            <a:r>
-              <a:rPr lang="en-US" sz="5200" dirty="0"/>
-              <a:t>=lm(Data, </a:t>
-            </a:r>
-            <a:r>
-              <a:rPr lang="en-US" sz="5200" dirty="0" err="1"/>
-              <a:t>UniqueWordsChild</a:t>
-            </a:r>
-            <a:r>
-              <a:rPr lang="en-US" sz="5200" dirty="0"/>
-              <a:t>  ~ </a:t>
-            </a:r>
-            <a:r>
-              <a:rPr lang="en-US" sz="5200" dirty="0" smtClean="0"/>
-              <a:t>Visit+ </a:t>
-            </a:r>
-            <a:r>
-              <a:rPr lang="en-US" sz="5200" dirty="0"/>
-              <a:t>(</a:t>
-            </a:r>
-            <a:r>
-              <a:rPr lang="en-US" sz="5200" dirty="0" err="1" smtClean="0"/>
-              <a:t>Visit|Child.ID</a:t>
-            </a:r>
-            <a:r>
-              <a:rPr lang="en-US" sz="5200" dirty="0" smtClean="0"/>
-              <a:t>)+(1|Experimenter)</a:t>
-            </a:r>
-          </a:p>
-          <a:p>
-            <a:r>
-              <a:rPr lang="en-US" sz="5200" dirty="0" smtClean="0"/>
-              <a:t>Model4</a:t>
-            </a:r>
-            <a:r>
-              <a:rPr lang="en-US" sz="5200" dirty="0"/>
-              <a:t/>
-            </a:r>
-            <a:br>
-              <a:rPr lang="en-US" sz="5200" dirty="0"/>
-            </a:br>
-            <a:r>
-              <a:rPr lang="en-US" sz="5200" dirty="0"/>
-              <a:t>=lm(Data, </a:t>
-            </a:r>
-            <a:r>
-              <a:rPr lang="en-US" sz="5200" dirty="0" err="1"/>
-              <a:t>UniqueWordsChild</a:t>
-            </a:r>
-            <a:r>
-              <a:rPr lang="en-US" sz="5200" dirty="0"/>
-              <a:t>  ~ </a:t>
-            </a:r>
-            <a:r>
-              <a:rPr lang="en-US" sz="5200" dirty="0" smtClean="0"/>
-              <a:t>Visit+ </a:t>
-            </a:r>
-            <a:r>
-              <a:rPr lang="en-US" sz="5200" dirty="0"/>
-              <a:t>(</a:t>
-            </a:r>
-            <a:r>
-              <a:rPr lang="en-US" sz="5200" dirty="0" err="1" smtClean="0"/>
-              <a:t>Visit|Child.ID</a:t>
-            </a:r>
-            <a:r>
-              <a:rPr lang="en-US" sz="5200" dirty="0" smtClean="0"/>
-              <a:t>)</a:t>
-            </a:r>
-            <a:r>
-              <a:rPr lang="en-US" sz="5200" dirty="0"/>
-              <a:t>+</a:t>
-            </a:r>
-            <a:r>
-              <a:rPr lang="en-US" sz="5200" dirty="0" smtClean="0"/>
-              <a:t>(</a:t>
-            </a:r>
-            <a:r>
-              <a:rPr lang="en-US" sz="5200" dirty="0" err="1" smtClean="0"/>
-              <a:t>Visit|</a:t>
-            </a:r>
-            <a:r>
-              <a:rPr lang="en-US" sz="5200" dirty="0" err="1"/>
-              <a:t>Experimenter</a:t>
-            </a:r>
-            <a:r>
-              <a:rPr lang="en-US" sz="5200" dirty="0" smtClean="0"/>
-              <a:t>)</a:t>
-            </a:r>
-            <a:endParaRPr lang="en-US" sz="5200" dirty="0"/>
-          </a:p>
-        </p:txBody>
-      </p:sp>
+      <p:pic>
+        <p:nvPicPr>
+          <p:cNvPr id="3" name="Picture 2" descr="Screenshot 2016-06-02 11.09.16.png"/>
+          <p:cNvPicPr>
+            <a:picLocks noChangeAspect="1"/>
+          </p:cNvPicPr>
+          <p:nvPr/>
+        </p:nvPicPr>
+        <p:blipFill>
+          <a:blip r:embed="rId2">
+            <a:extLst>
+              <a:ext uri="{28A0092B-C50C-407E-A947-70E740481C1C}">
+                <a14:useLocalDpi xmlns:a14="http://schemas.microsoft.com/office/drawing/2010/main" val="0"/>
+              </a:ext>
+            </a:extLst>
+          </a:blip>
+          <a:stretch>
+            <a:fillRect/>
+          </a:stretch>
+        </p:blipFill>
+        <p:spPr>
+          <a:xfrm>
+            <a:off x="223130" y="1417639"/>
+            <a:ext cx="5036234" cy="3284500"/>
+          </a:xfrm>
+          <a:prstGeom prst="rect">
+            <a:avLst/>
+          </a:prstGeom>
+        </p:spPr>
+      </p:pic>
+      <p:pic>
+        <p:nvPicPr>
+          <p:cNvPr id="6" name="Picture 5" descr="Screenshot 2016-06-02 11.11.28.png"/>
+          <p:cNvPicPr>
+            <a:picLocks noChangeAspect="1"/>
+          </p:cNvPicPr>
+          <p:nvPr/>
+        </p:nvPicPr>
+        <p:blipFill rotWithShape="1">
+          <a:blip r:embed="rId3">
+            <a:extLst>
+              <a:ext uri="{28A0092B-C50C-407E-A947-70E740481C1C}">
+                <a14:useLocalDpi xmlns:a14="http://schemas.microsoft.com/office/drawing/2010/main" val="0"/>
+              </a:ext>
+            </a:extLst>
+          </a:blip>
+          <a:srcRect t="23022" r="17989" b="-1"/>
+          <a:stretch/>
+        </p:blipFill>
+        <p:spPr>
+          <a:xfrm>
+            <a:off x="4750330" y="2488358"/>
+            <a:ext cx="4393670" cy="4369642"/>
+          </a:xfrm>
+          <a:prstGeom prst="rect">
+            <a:avLst/>
+          </a:prstGeom>
+        </p:spPr>
+      </p:pic>
     </p:spTree>
     <p:extLst>
       <p:ext uri="{BB962C8B-B14F-4D97-AF65-F5344CB8AC3E}">
-        <p14:creationId xmlns:p14="http://schemas.microsoft.com/office/powerpoint/2010/main" val="2474715730"/>
+        <p14:creationId xmlns:p14="http://schemas.microsoft.com/office/powerpoint/2010/main" val="2726566354"/>
       </p:ext>
     </p:extLst>
   </p:cSld>
@@ -38151,81 +38109,125 @@
         </p:nvSpPr>
         <p:spPr/>
         <p:txBody>
-          <a:bodyPr/>
+          <a:bodyPr>
+            <a:normAutofit fontScale="90000"/>
+          </a:bodyPr>
           <a:lstStyle/>
           <a:p>
             <a:r>
               <a:rPr lang="en-US" dirty="0" smtClean="0"/>
-              <a:t>Reading the output</a:t>
-            </a:r>
-            <a:endParaRPr lang="en-US" dirty="0"/>
+              <a:t>Calculating p-values, R</a:t>
+            </a:r>
+            <a:r>
+              <a:rPr lang="en-US" baseline="30000" dirty="0" smtClean="0"/>
+              <a:t>2</a:t>
+            </a:r>
+            <a:r>
+              <a:rPr lang="en-US" dirty="0" smtClean="0"/>
+              <a:t> </a:t>
+            </a:r>
+            <a:br>
+              <a:rPr lang="en-US" dirty="0" smtClean="0"/>
+            </a:br>
+            <a:r>
+              <a:rPr lang="en-US" dirty="0" smtClean="0"/>
+              <a:t>and individual slopes</a:t>
+            </a:r>
+            <a:endParaRPr lang="en-US" baseline="30000" dirty="0"/>
           </a:p>
         </p:txBody>
       </p:sp>
-      <p:pic>
-        <p:nvPicPr>
-          <p:cNvPr id="5" name="Picture 4" descr="Screenshot 2015-02-05 11.45.37.png"/>
-          <p:cNvPicPr>
-            <a:picLocks noChangeAspect="1"/>
-          </p:cNvPicPr>
-          <p:nvPr/>
-        </p:nvPicPr>
-        <p:blipFill>
-          <a:blip r:embed="rId2">
-            <a:extLst>
-              <a:ext uri="{28A0092B-C50C-407E-A947-70E740481C1C}">
-                <a14:useLocalDpi xmlns:a14="http://schemas.microsoft.com/office/drawing/2010/main" val="0"/>
-              </a:ext>
-            </a:extLst>
-          </a:blip>
-          <a:stretch>
-            <a:fillRect/>
-          </a:stretch>
-        </p:blipFill>
-        <p:spPr>
-          <a:xfrm>
-            <a:off x="103889" y="2901689"/>
-            <a:ext cx="4822322" cy="3797300"/>
-          </a:xfrm>
-          <a:prstGeom prst="rect">
-            <a:avLst/>
-          </a:prstGeom>
-        </p:spPr>
-      </p:pic>
-      <p:pic>
-        <p:nvPicPr>
-          <p:cNvPr id="7" name="Picture 6" descr="Screenshot 2015-02-05 11.46.49.png"/>
-          <p:cNvPicPr>
-            <a:picLocks noChangeAspect="1"/>
-          </p:cNvPicPr>
-          <p:nvPr/>
-        </p:nvPicPr>
-        <p:blipFill>
-          <a:blip r:embed="rId3">
-            <a:extLst>
-              <a:ext uri="{28A0092B-C50C-407E-A947-70E740481C1C}">
-                <a14:useLocalDpi xmlns:a14="http://schemas.microsoft.com/office/drawing/2010/main" val="0"/>
-              </a:ext>
-            </a:extLst>
-          </a:blip>
-          <a:stretch>
-            <a:fillRect/>
-          </a:stretch>
-        </p:blipFill>
-        <p:spPr>
-          <a:xfrm>
-            <a:off x="4926211" y="2184273"/>
-            <a:ext cx="4508500" cy="3403600"/>
-          </a:xfrm>
-          <a:prstGeom prst="rect">
-            <a:avLst/>
-          </a:prstGeom>
-        </p:spPr>
-      </p:pic>
+      <p:sp>
+        <p:nvSpPr>
+          <p:cNvPr id="3" name="Content Placeholder 2"/>
+          <p:cNvSpPr>
+            <a:spLocks noGrp="1"/>
+          </p:cNvSpPr>
+          <p:nvPr>
+            <p:ph idx="1"/>
+          </p:nvPr>
+        </p:nvSpPr>
+        <p:spPr/>
+        <p:txBody>
+          <a:bodyPr>
+            <a:normAutofit/>
+          </a:bodyPr>
+          <a:lstStyle/>
+          <a:p>
+            <a:r>
+              <a:rPr lang="en-US" dirty="0" smtClean="0"/>
+              <a:t>Library(</a:t>
+            </a:r>
+            <a:r>
+              <a:rPr lang="en-US" dirty="0" err="1" smtClean="0"/>
+              <a:t>lmerTest</a:t>
+            </a:r>
+            <a:r>
+              <a:rPr lang="en-US" dirty="0" smtClean="0"/>
+              <a:t>)</a:t>
+            </a:r>
+          </a:p>
+          <a:p>
+            <a:r>
+              <a:rPr lang="en-US" dirty="0" smtClean="0"/>
+              <a:t>Then run your model</a:t>
+            </a:r>
+          </a:p>
+          <a:p>
+            <a:endParaRPr lang="en-US" dirty="0"/>
+          </a:p>
+          <a:p>
+            <a:r>
+              <a:rPr lang="en-US" dirty="0" smtClean="0"/>
+              <a:t>library(</a:t>
+            </a:r>
+            <a:r>
+              <a:rPr lang="en-US" dirty="0" err="1" smtClean="0"/>
+              <a:t>MuMIn</a:t>
+            </a:r>
+            <a:r>
+              <a:rPr lang="en-US" dirty="0" smtClean="0"/>
+              <a:t>)  </a:t>
+            </a:r>
+          </a:p>
+          <a:p>
+            <a:r>
+              <a:rPr lang="en-US" dirty="0" smtClean="0"/>
+              <a:t>R2</a:t>
+            </a:r>
+            <a:r>
+              <a:rPr lang="en-US" dirty="0"/>
+              <a:t>=</a:t>
+            </a:r>
+            <a:r>
+              <a:rPr lang="en-US" dirty="0" err="1"/>
+              <a:t>r.squaredGLMM</a:t>
+            </a:r>
+            <a:r>
+              <a:rPr lang="en-US" dirty="0" smtClean="0"/>
+              <a:t>(Model2)</a:t>
+            </a:r>
+          </a:p>
+          <a:p>
+            <a:endParaRPr lang="en-US" dirty="0"/>
+          </a:p>
+          <a:p>
+            <a:r>
+              <a:rPr lang="en-US" dirty="0" err="1" smtClean="0"/>
+              <a:t>coef</a:t>
+            </a:r>
+            <a:r>
+              <a:rPr lang="en-US" dirty="0" smtClean="0"/>
+              <a:t>(Model2)</a:t>
+            </a:r>
+            <a:endParaRPr lang="en-US" dirty="0"/>
+          </a:p>
+        </p:txBody>
+      </p:sp>
     </p:spTree>
     <p:extLst>
       <p:ext uri="{BB962C8B-B14F-4D97-AF65-F5344CB8AC3E}">
-        <p14:creationId xmlns:p14="http://schemas.microsoft.com/office/powerpoint/2010/main" val="2726566354"/>
+        <p14:creationId xmlns:p14="http://schemas.microsoft.com/office/powerpoint/2010/main" val="4250979493"/>
       </p:ext>
     </p:extLst>
   </p:cSld>
@@ -38271,31 +38273,14 @@
         </p:nvSpPr>
         <p:spPr/>
         <p:txBody>
-          <a:bodyPr>
-            <a:normAutofit fontScale="90000"/>
-          </a:bodyPr>
+          <a:bodyPr/>
           <a:lstStyle/>
           <a:p>
             <a:r>
               <a:rPr lang="en-US" dirty="0" smtClean="0"/>
-              <a:t>Calculating p-values, R</a:t>
-            </a:r>
-            <a:r>
-              <a:rPr lang="en-US" baseline="30000" dirty="0" smtClean="0"/>
-              <a:t>2</a:t>
-            </a:r>
-            <a:r>
-              <a:rPr lang="en-US" dirty="0" smtClean="0"/>
-              <a:t> </a:t>
-            </a:r>
-            <a:br>
-              <a:rPr lang="en-US" dirty="0" smtClean="0"/>
-            </a:br>
-            <a:r>
-              <a:rPr lang="en-US" dirty="0" smtClean="0"/>
-              <a:t>and individual slopes</a:t>
-            </a:r>
-            <a:endParaRPr lang="en-US" baseline="30000" dirty="0"/>
+              <a:t>What now?</a:t>
+            </a:r>
+            <a:endParaRPr lang="en-US" dirty="0"/>
           </a:p>
         </p:txBody>
       </p:sp>
@@ -38318,78 +38303,84 @@
           <a:p>
             <a:r>
               <a:rPr lang="en-US" dirty="0" smtClean="0"/>
-              <a:t>Library(</a:t>
-            </a:r>
+              <a:t>Get on with your data!</a:t>
+            </a:r>
+          </a:p>
+          <a:p>
+            <a:endParaRPr lang="en-US" dirty="0"/>
+          </a:p>
+          <a:p>
+            <a:r>
+              <a:rPr lang="en-US" dirty="0" smtClean="0"/>
+              <a:t>Don’t stop learning!</a:t>
+            </a:r>
+          </a:p>
+          <a:p>
+            <a:pPr lvl="1"/>
             <a:r>
               <a:rPr lang="en-US" dirty="0" err="1" smtClean="0"/>
-              <a:t>lmerTest</a:t>
+              <a:t>Coursera</a:t>
             </a:r>
             <a:r>
               <a:rPr lang="en-US" dirty="0" smtClean="0"/>
-              <a:t>)</a:t>
-            </a:r>
-          </a:p>
-          <a:p>
+              <a:t> Data Science Specialization</a:t>
+            </a:r>
+          </a:p>
+          <a:p>
+            <a:pPr lvl="2"/>
             <a:r>
               <a:rPr lang="en-US" dirty="0" smtClean="0"/>
-              <a:t>Then run your model</a:t>
-            </a:r>
-          </a:p>
-          <a:p>
-            <a:endParaRPr lang="en-US" dirty="0"/>
-          </a:p>
-          <a:p>
+              <a:t>Warning: “R programming” is really </a:t>
+            </a:r>
+            <a:r>
+              <a:rPr lang="en-US" dirty="0" err="1" smtClean="0"/>
+              <a:t>booooooring</a:t>
+            </a:r>
+            <a:endParaRPr lang="en-US" dirty="0" smtClean="0"/>
+          </a:p>
+          <a:p>
+            <a:pPr lvl="2"/>
             <a:r>
               <a:rPr lang="en-US" dirty="0" smtClean="0"/>
-              <a:t>library(</a:t>
+              <a:t>Warning: “</a:t>
             </a:r>
             <a:r>
               <a:rPr lang="en-US" dirty="0" err="1" smtClean="0"/>
-              <a:t>MuMIn</a:t>
+              <a:t>Biostats</a:t>
             </a:r>
             <a:r>
               <a:rPr lang="en-US" dirty="0" smtClean="0"/>
-              <a:t>)  </a:t>
-            </a:r>
-          </a:p>
-          <a:p>
+              <a:t>” is too nerdy</a:t>
+            </a:r>
+          </a:p>
+          <a:p>
+            <a:pPr lvl="1"/>
             <a:r>
               <a:rPr lang="en-US" dirty="0" smtClean="0"/>
-              <a:t>R2</a:t>
+              <a:t>A. </a:t>
+            </a:r>
+            <a:r>
+              <a:rPr lang="en-US" dirty="0" err="1" smtClean="0"/>
+              <a:t>Gelman</a:t>
             </a:r>
             <a:r>
               <a:rPr lang="en-US" dirty="0"/>
-              <a:t>=</a:t>
-            </a:r>
-            <a:r>
-              <a:rPr lang="en-US" dirty="0" err="1"/>
-              <a:t>r.squaredGLMM</a:t>
-            </a:r>
-            <a:r>
-              <a:rPr lang="en-US" dirty="0" smtClean="0"/>
-              <a:t>(Model2)</a:t>
-            </a:r>
-          </a:p>
-          <a:p>
-            <a:endParaRPr lang="en-US" dirty="0"/>
-          </a:p>
-          <a:p>
-            <a:r>
-              <a:rPr lang="en-US" dirty="0" err="1" smtClean="0"/>
-              <a:t>coef</a:t>
-            </a:r>
-            <a:r>
-              <a:rPr lang="en-US" dirty="0" smtClean="0"/>
-              <a:t>(Model2)</a:t>
-            </a:r>
-            <a:endParaRPr lang="en-US" dirty="0"/>
+              <a:t>: </a:t>
+            </a:r>
+          </a:p>
+          <a:p>
+            <a:pPr lvl="2"/>
+            <a:r>
+              <a:rPr lang="en-US" dirty="0"/>
+              <a:t>Data Analysis Using Regression and Multilevel/Hierarchical Models </a:t>
+            </a:r>
           </a:p>
         </p:txBody>
       </p:sp>
     </p:spTree>
     <p:extLst>
       <p:ext uri="{BB962C8B-B14F-4D97-AF65-F5344CB8AC3E}">
-        <p14:creationId xmlns:p14="http://schemas.microsoft.com/office/powerpoint/2010/main" val="4250979493"/>
+        <p14:creationId xmlns:p14="http://schemas.microsoft.com/office/powerpoint/2010/main" val="2330030468"/>
       </p:ext>
     </p:extLst>
   </p:cSld>
@@ -38482,159 +38473,6 @@
 </file>
 
 <file path=ppt/slides/slide90.xml><?xml version="1.0" encoding="utf-8"?>
-<p:sld xmlns:a="http://schemas.openxmlformats.org/drawingml/2006/main" xmlns:r="http://schemas.openxmlformats.org/officeDocument/2006/relationships" xmlns:p="http://schemas.openxmlformats.org/presentationml/2006/main">
-  <p:cSld>
-    <p:spTree>
-      <p:nvGrpSpPr>
-        <p:cNvPr id="1" name=""/>
-        <p:cNvGrpSpPr/>
-        <p:nvPr/>
-      </p:nvGrpSpPr>
-      <p:grpSpPr>
-        <a:xfrm>
-          <a:off x="0" y="0"/>
-          <a:ext cx="0" cy="0"/>
-          <a:chOff x="0" y="0"/>
-          <a:chExt cx="0" cy="0"/>
-        </a:xfrm>
-      </p:grpSpPr>
-      <p:sp>
-        <p:nvSpPr>
-          <p:cNvPr id="2" name="Title 1"/>
-          <p:cNvSpPr>
-            <a:spLocks noGrp="1"/>
-          </p:cNvSpPr>
-          <p:nvPr>
-            <p:ph type="title"/>
-          </p:nvPr>
-        </p:nvSpPr>
-        <p:spPr/>
-        <p:txBody>
-          <a:bodyPr/>
-          <a:lstStyle/>
-          <a:p>
-            <a:r>
-              <a:rPr lang="en-US" dirty="0" smtClean="0"/>
-              <a:t>What now?</a:t>
-            </a:r>
-            <a:endParaRPr lang="en-US" dirty="0"/>
-          </a:p>
-        </p:txBody>
-      </p:sp>
-      <p:sp>
-        <p:nvSpPr>
-          <p:cNvPr id="3" name="Content Placeholder 2"/>
-          <p:cNvSpPr>
-            <a:spLocks noGrp="1"/>
-          </p:cNvSpPr>
-          <p:nvPr>
-            <p:ph idx="1"/>
-          </p:nvPr>
-        </p:nvSpPr>
-        <p:spPr/>
-        <p:txBody>
-          <a:bodyPr>
-            <a:normAutofit/>
-          </a:bodyPr>
-          <a:lstStyle/>
-          <a:p>
-            <a:r>
-              <a:rPr lang="en-US" dirty="0" smtClean="0"/>
-              <a:t>Get on with your data!</a:t>
-            </a:r>
-          </a:p>
-          <a:p>
-            <a:endParaRPr lang="en-US" dirty="0"/>
-          </a:p>
-          <a:p>
-            <a:r>
-              <a:rPr lang="en-US" dirty="0" smtClean="0"/>
-              <a:t>Don’t stop learning!</a:t>
-            </a:r>
-          </a:p>
-          <a:p>
-            <a:pPr lvl="1"/>
-            <a:r>
-              <a:rPr lang="en-US" dirty="0" err="1" smtClean="0"/>
-              <a:t>Coursera</a:t>
-            </a:r>
-            <a:r>
-              <a:rPr lang="en-US" dirty="0" smtClean="0"/>
-              <a:t> Data Science Specialization</a:t>
-            </a:r>
-          </a:p>
-          <a:p>
-            <a:pPr lvl="2"/>
-            <a:r>
-              <a:rPr lang="en-US" dirty="0" smtClean="0"/>
-              <a:t>Warning: “R programming” is really </a:t>
-            </a:r>
-            <a:r>
-              <a:rPr lang="en-US" dirty="0" err="1" smtClean="0"/>
-              <a:t>booooooring</a:t>
-            </a:r>
-            <a:endParaRPr lang="en-US" dirty="0" smtClean="0"/>
-          </a:p>
-          <a:p>
-            <a:pPr lvl="2"/>
-            <a:r>
-              <a:rPr lang="en-US" dirty="0" smtClean="0"/>
-              <a:t>Warning: “</a:t>
-            </a:r>
-            <a:r>
-              <a:rPr lang="en-US" dirty="0" err="1" smtClean="0"/>
-              <a:t>Biostats</a:t>
-            </a:r>
-            <a:r>
-              <a:rPr lang="en-US" dirty="0" smtClean="0"/>
-              <a:t>” is too nerdy</a:t>
-            </a:r>
-          </a:p>
-          <a:p>
-            <a:pPr lvl="1"/>
-            <a:r>
-              <a:rPr lang="en-US" dirty="0" smtClean="0"/>
-              <a:t>A. </a:t>
-            </a:r>
-            <a:r>
-              <a:rPr lang="en-US" dirty="0" err="1" smtClean="0"/>
-              <a:t>Gelman</a:t>
-            </a:r>
-            <a:r>
-              <a:rPr lang="en-US" dirty="0"/>
-              <a:t>: </a:t>
-            </a:r>
-          </a:p>
-          <a:p>
-            <a:pPr lvl="2"/>
-            <a:r>
-              <a:rPr lang="en-US" dirty="0"/>
-              <a:t>Data Analysis Using Regression and Multilevel/Hierarchical Models </a:t>
-            </a:r>
-          </a:p>
-        </p:txBody>
-      </p:sp>
-    </p:spTree>
-    <p:extLst>
-      <p:ext uri="{BB962C8B-B14F-4D97-AF65-F5344CB8AC3E}">
-        <p14:creationId xmlns:p14="http://schemas.microsoft.com/office/powerpoint/2010/main" val="2330030468"/>
-      </p:ext>
-    </p:extLst>
-  </p:cSld>
-  <p:clrMapOvr>
-    <a:masterClrMapping/>
-  </p:clrMapOvr>
-  <p:timing>
-    <p:tnLst>
-      <p:par>
-        <p:cTn xmlns:p14="http://schemas.microsoft.com/office/powerpoint/2010/main" id="1" dur="indefinite" restart="never" nodeType="tmRoot"/>
-      </p:par>
-    </p:tnLst>
-  </p:timing>
-</p:sld>
-</file>
-
-<file path=ppt/slides/slide91.xml><?xml version="1.0" encoding="utf-8"?>
 <p:sld xmlns:a="http://schemas.openxmlformats.org/drawingml/2006/main" xmlns:r="http://schemas.openxmlformats.org/officeDocument/2006/relationships" xmlns:p="http://schemas.openxmlformats.org/presentationml/2006/main">
   <p:cSld>
     <p:spTree>
